--- a/Folio/Design Brief RFID FINAL.pptx
+++ b/Folio/Design Brief RFID FINAL.pptx
@@ -141,6 +141,107 @@
 <file path=ppt/changesInfos/changesInfo1.xml><?xml version="1.0" encoding="utf-8"?>
 <pc:chgInfo xmlns:a="http://schemas.openxmlformats.org/drawingml/2006/main" xmlns:r="http://schemas.openxmlformats.org/officeDocument/2006/relationships" xmlns:ac="http://schemas.microsoft.com/office/drawing/2013/main/command" xmlns:pc="http://schemas.microsoft.com/office/powerpoint/2013/main/command">
   <pc:docChgLst>
+    <pc:chgData name="Karna Amit" userId="512f0b414f2a6f27" providerId="LiveId" clId="{63F31B70-8B71-4811-9B45-C998EBFF8C4D}"/>
+    <pc:docChg chg="undo custSel modSld">
+      <pc:chgData name="Karna Amit" userId="512f0b414f2a6f27" providerId="LiveId" clId="{63F31B70-8B71-4811-9B45-C998EBFF8C4D}" dt="2020-03-17T10:50:45.179" v="750" actId="20577"/>
+      <pc:docMkLst>
+        <pc:docMk/>
+      </pc:docMkLst>
+      <pc:sldChg chg="modSp mod">
+        <pc:chgData name="Karna Amit" userId="512f0b414f2a6f27" providerId="LiveId" clId="{63F31B70-8B71-4811-9B45-C998EBFF8C4D}" dt="2020-03-17T10:42:57.260" v="225" actId="20577"/>
+        <pc:sldMkLst>
+          <pc:docMk/>
+          <pc:sldMk cId="3667717409" sldId="258"/>
+        </pc:sldMkLst>
+        <pc:spChg chg="mod">
+          <ac:chgData name="Karna Amit" userId="512f0b414f2a6f27" providerId="LiveId" clId="{63F31B70-8B71-4811-9B45-C998EBFF8C4D}" dt="2020-03-17T10:42:57.260" v="225" actId="20577"/>
+          <ac:spMkLst>
+            <pc:docMk/>
+            <pc:sldMk cId="3667717409" sldId="258"/>
+            <ac:spMk id="6" creationId="{3DBC47F1-B446-479F-9938-1AF1500B948D}"/>
+          </ac:spMkLst>
+        </pc:spChg>
+      </pc:sldChg>
+      <pc:sldChg chg="modSp mod">
+        <pc:chgData name="Karna Amit" userId="512f0b414f2a6f27" providerId="LiveId" clId="{63F31B70-8B71-4811-9B45-C998EBFF8C4D}" dt="2020-03-17T10:50:45.179" v="750" actId="20577"/>
+        <pc:sldMkLst>
+          <pc:docMk/>
+          <pc:sldMk cId="107519994" sldId="259"/>
+        </pc:sldMkLst>
+        <pc:spChg chg="mod">
+          <ac:chgData name="Karna Amit" userId="512f0b414f2a6f27" providerId="LiveId" clId="{63F31B70-8B71-4811-9B45-C998EBFF8C4D}" dt="2020-03-17T10:48:37.045" v="558" actId="1076"/>
+          <ac:spMkLst>
+            <pc:docMk/>
+            <pc:sldMk cId="107519994" sldId="259"/>
+            <ac:spMk id="2" creationId="{11373EE5-E27C-40DC-BCEF-F65A1A459131}"/>
+          </ac:spMkLst>
+        </pc:spChg>
+        <pc:spChg chg="mod">
+          <ac:chgData name="Karna Amit" userId="512f0b414f2a6f27" providerId="LiveId" clId="{63F31B70-8B71-4811-9B45-C998EBFF8C4D}" dt="2020-03-17T10:50:45.179" v="750" actId="20577"/>
+          <ac:spMkLst>
+            <pc:docMk/>
+            <pc:sldMk cId="107519994" sldId="259"/>
+            <ac:spMk id="3" creationId="{63A38969-85DE-4C18-AA97-42E3AB275F87}"/>
+          </ac:spMkLst>
+        </pc:spChg>
+      </pc:sldChg>
+    </pc:docChg>
+  </pc:docChgLst>
+  <pc:docChgLst>
+    <pc:chgData name="Karna Amit" userId="512f0b414f2a6f27" providerId="LiveId" clId="{0B86C9F0-3814-4815-92BF-23E12D18F18C}"/>
+    <pc:docChg chg="custSel modSld">
+      <pc:chgData name="Karna Amit" userId="512f0b414f2a6f27" providerId="LiveId" clId="{0B86C9F0-3814-4815-92BF-23E12D18F18C}" dt="2020-03-18T00:52:01.467" v="1036" actId="313"/>
+      <pc:docMkLst>
+        <pc:docMk/>
+      </pc:docMkLst>
+      <pc:sldChg chg="modSp mod delCm">
+        <pc:chgData name="Karna Amit" userId="512f0b414f2a6f27" providerId="LiveId" clId="{0B86C9F0-3814-4815-92BF-23E12D18F18C}" dt="2020-03-15T23:00:32.072" v="886" actId="20577"/>
+        <pc:sldMkLst>
+          <pc:docMk/>
+          <pc:sldMk cId="1530714256" sldId="257"/>
+        </pc:sldMkLst>
+        <pc:spChg chg="mod">
+          <ac:chgData name="Karna Amit" userId="512f0b414f2a6f27" providerId="LiveId" clId="{0B86C9F0-3814-4815-92BF-23E12D18F18C}" dt="2020-03-15T23:00:32.072" v="886" actId="20577"/>
+          <ac:spMkLst>
+            <pc:docMk/>
+            <pc:sldMk cId="1530714256" sldId="257"/>
+            <ac:spMk id="3" creationId="{8AF38D91-395E-4429-8B18-B575AB6D4F0B}"/>
+          </ac:spMkLst>
+        </pc:spChg>
+      </pc:sldChg>
+      <pc:sldChg chg="modSp mod">
+        <pc:chgData name="Karna Amit" userId="512f0b414f2a6f27" providerId="LiveId" clId="{0B86C9F0-3814-4815-92BF-23E12D18F18C}" dt="2020-03-15T23:03:52.885" v="1035" actId="20577"/>
+        <pc:sldMkLst>
+          <pc:docMk/>
+          <pc:sldMk cId="3667717409" sldId="258"/>
+        </pc:sldMkLst>
+        <pc:spChg chg="mod">
+          <ac:chgData name="Karna Amit" userId="512f0b414f2a6f27" providerId="LiveId" clId="{0B86C9F0-3814-4815-92BF-23E12D18F18C}" dt="2020-03-15T23:03:52.885" v="1035" actId="20577"/>
+          <ac:spMkLst>
+            <pc:docMk/>
+            <pc:sldMk cId="3667717409" sldId="258"/>
+            <ac:spMk id="6" creationId="{3DBC47F1-B446-479F-9938-1AF1500B948D}"/>
+          </ac:spMkLst>
+        </pc:spChg>
+      </pc:sldChg>
+      <pc:sldChg chg="modSp mod">
+        <pc:chgData name="Karna Amit" userId="512f0b414f2a6f27" providerId="LiveId" clId="{0B86C9F0-3814-4815-92BF-23E12D18F18C}" dt="2020-03-18T00:52:01.467" v="1036" actId="313"/>
+        <pc:sldMkLst>
+          <pc:docMk/>
+          <pc:sldMk cId="107519994" sldId="259"/>
+        </pc:sldMkLst>
+        <pc:spChg chg="mod">
+          <ac:chgData name="Karna Amit" userId="512f0b414f2a6f27" providerId="LiveId" clId="{0B86C9F0-3814-4815-92BF-23E12D18F18C}" dt="2020-03-18T00:52:01.467" v="1036" actId="313"/>
+          <ac:spMkLst>
+            <pc:docMk/>
+            <pc:sldMk cId="107519994" sldId="259"/>
+            <ac:spMk id="3" creationId="{63A38969-85DE-4C18-AA97-42E3AB275F87}"/>
+          </ac:spMkLst>
+        </pc:spChg>
+      </pc:sldChg>
+    </pc:docChg>
+  </pc:docChgLst>
+  <pc:docChgLst>
     <pc:chgData name="Karna Amit" userId="512f0b414f2a6f27" providerId="LiveId" clId="{46C8A294-AB96-4F32-A233-CD8B7DED91E7}"/>
     <pc:docChg chg="modSld">
       <pc:chgData name="Karna Amit" userId="512f0b414f2a6f27" providerId="LiveId" clId="{46C8A294-AB96-4F32-A233-CD8B7DED91E7}" dt="2020-03-04T00:37:55.355" v="8" actId="1076"/>
@@ -183,20 +284,6 @@
 
 <file path=ppt/comments/comment2.xml><?xml version="1.0" encoding="utf-8"?>
 <p:cmLst xmlns:a="http://schemas.openxmlformats.org/drawingml/2006/main" xmlns:r="http://schemas.openxmlformats.org/officeDocument/2006/relationships" xmlns:p="http://schemas.openxmlformats.org/presentationml/2006/main">
-  <p:cm authorId="1" dt="2020-02-16T10:56:00.485" idx="2">
-    <p:pos x="5737" y="2025"/>
-    <p:text>Wanna say middle of bumfuck nowhere but cant find the right words :/</p:text>
-    <p:extLst>
-      <p:ext uri="{C676402C-5697-4E1C-873F-D02D1690AC5C}">
-        <p15:threadingInfo xmlns:p15="http://schemas.microsoft.com/office/powerpoint/2012/main" timeZoneBias="-660"/>
-      </p:ext>
-    </p:extLst>
-  </p:cm>
-</p:cmLst>
-</file>
-
-<file path=ppt/comments/comment3.xml><?xml version="1.0" encoding="utf-8"?>
-<p:cmLst xmlns:a="http://schemas.openxmlformats.org/drawingml/2006/main" xmlns:r="http://schemas.openxmlformats.org/officeDocument/2006/relationships" xmlns:p="http://schemas.openxmlformats.org/presentationml/2006/main">
   <p:cm authorId="1" dt="2020-02-16T11:31:48.064" idx="5">
     <p:pos x="6237" y="2228"/>
     <p:text>Forgot what the word was</p:text>
@@ -306,7 +393,7 @@
           <a:p>
             <a:fld id="{6EBBC747-2960-436F-864A-7A10A7B4DC4E}" type="datetimeFigureOut">
               <a:rPr lang="en-AU" smtClean="0"/>
-              <a:t>4/03/2020</a:t>
+              <a:t>18/03/2020</a:t>
             </a:fld>
             <a:endParaRPr lang="en-AU"/>
           </a:p>
@@ -490,7 +577,7 @@
           <a:p>
             <a:fld id="{7A8EDBA8-2926-40EE-8712-3CC94D24D01B}" type="datetimeFigureOut">
               <a:rPr lang="en-AU" smtClean="0"/>
-              <a:t>4/03/2020</a:t>
+              <a:t>18/03/2020</a:t>
             </a:fld>
             <a:endParaRPr lang="en-AU"/>
           </a:p>
@@ -902,6 +989,134 @@
 </p:notes>
 </file>
 
+<file path=ppt/notesSlides/notesSlide2.xml><?xml version="1.0" encoding="utf-8"?>
+<p:notes xmlns:a="http://schemas.openxmlformats.org/drawingml/2006/main" xmlns:r="http://schemas.openxmlformats.org/officeDocument/2006/relationships" xmlns:p="http://schemas.openxmlformats.org/presentationml/2006/main">
+  <p:cSld>
+    <p:spTree>
+      <p:nvGrpSpPr>
+        <p:cNvPr id="1" name=""/>
+        <p:cNvGrpSpPr/>
+        <p:nvPr/>
+      </p:nvGrpSpPr>
+      <p:grpSpPr>
+        <a:xfrm>
+          <a:off x="0" y="0"/>
+          <a:ext cx="0" cy="0"/>
+          <a:chOff x="0" y="0"/>
+          <a:chExt cx="0" cy="0"/>
+        </a:xfrm>
+      </p:grpSpPr>
+      <p:sp>
+        <p:nvSpPr>
+          <p:cNvPr id="2" name="Slide Image Placeholder 1"/>
+          <p:cNvSpPr>
+            <a:spLocks noGrp="1" noRot="1" noChangeAspect="1"/>
+          </p:cNvSpPr>
+          <p:nvPr>
+            <p:ph type="sldImg"/>
+          </p:nvPr>
+        </p:nvSpPr>
+        <p:spPr/>
+      </p:sp>
+      <p:sp>
+        <p:nvSpPr>
+          <p:cNvPr id="3" name="Notes Placeholder 2"/>
+          <p:cNvSpPr>
+            <a:spLocks noGrp="1"/>
+          </p:cNvSpPr>
+          <p:nvPr>
+            <p:ph type="body" idx="1"/>
+          </p:nvPr>
+        </p:nvSpPr>
+        <p:spPr/>
+        <p:txBody>
+          <a:bodyPr/>
+          <a:lstStyle/>
+          <a:p>
+            <a:endParaRPr lang="en-AU" dirty="0"/>
+          </a:p>
+        </p:txBody>
+      </p:sp>
+      <p:sp>
+        <p:nvSpPr>
+          <p:cNvPr id="4" name="Header Placeholder 3"/>
+          <p:cNvSpPr>
+            <a:spLocks noGrp="1"/>
+          </p:cNvSpPr>
+          <p:nvPr>
+            <p:ph type="hdr" sz="quarter"/>
+          </p:nvPr>
+        </p:nvSpPr>
+        <p:spPr/>
+        <p:txBody>
+          <a:bodyPr/>
+          <a:lstStyle/>
+          <a:p>
+            <a:r>
+              <a:rPr lang="en-AU"/>
+              <a:t>Design Brief</a:t>
+            </a:r>
+          </a:p>
+        </p:txBody>
+      </p:sp>
+      <p:sp>
+        <p:nvSpPr>
+          <p:cNvPr id="5" name="Footer Placeholder 4"/>
+          <p:cNvSpPr>
+            <a:spLocks noGrp="1"/>
+          </p:cNvSpPr>
+          <p:nvPr>
+            <p:ph type="ftr" sz="quarter" idx="4"/>
+          </p:nvPr>
+        </p:nvSpPr>
+        <p:spPr/>
+        <p:txBody>
+          <a:bodyPr/>
+          <a:lstStyle/>
+          <a:p>
+            <a:r>
+              <a:rPr lang="en-AU"/>
+              <a:t>jjjjjj</a:t>
+            </a:r>
+          </a:p>
+        </p:txBody>
+      </p:sp>
+      <p:sp>
+        <p:nvSpPr>
+          <p:cNvPr id="6" name="Slide Number Placeholder 5"/>
+          <p:cNvSpPr>
+            <a:spLocks noGrp="1"/>
+          </p:cNvSpPr>
+          <p:nvPr>
+            <p:ph type="sldNum" sz="quarter" idx="5"/>
+          </p:nvPr>
+        </p:nvSpPr>
+        <p:spPr/>
+        <p:txBody>
+          <a:bodyPr/>
+          <a:lstStyle/>
+          <a:p>
+            <a:fld id="{6306297A-F3D0-4F40-8D71-64E67BC17F51}" type="slidenum">
+              <a:rPr lang="en-AU" smtClean="0"/>
+              <a:t>3</a:t>
+            </a:fld>
+            <a:endParaRPr lang="en-AU"/>
+          </a:p>
+        </p:txBody>
+      </p:sp>
+    </p:spTree>
+    <p:extLst>
+      <p:ext uri="{BB962C8B-B14F-4D97-AF65-F5344CB8AC3E}">
+        <p14:creationId xmlns:p14="http://schemas.microsoft.com/office/powerpoint/2010/main" val="2144801107"/>
+      </p:ext>
+    </p:extLst>
+  </p:cSld>
+  <p:clrMapOvr>
+    <a:masterClrMapping/>
+  </p:clrMapOvr>
+</p:notes>
+</file>
+
 <file path=ppt/slideLayouts/slideLayout1.xml><?xml version="1.0" encoding="utf-8"?>
 <p:sldLayout xmlns:a="http://schemas.openxmlformats.org/drawingml/2006/main" xmlns:r="http://schemas.openxmlformats.org/officeDocument/2006/relationships" xmlns:p="http://schemas.openxmlformats.org/presentationml/2006/main" type="title" preserve="1">
   <p:cSld name="Title Slide">
@@ -1051,7 +1266,7 @@
           <a:p>
             <a:fld id="{ED176C11-203E-49ED-86D4-66E41C858C8F}" type="datetime1">
               <a:rPr lang="en-AU" smtClean="0"/>
-              <a:t>4/03/2020</a:t>
+              <a:t>18/03/2020</a:t>
             </a:fld>
             <a:endParaRPr lang="en-AU"/>
           </a:p>
@@ -1254,7 +1469,7 @@
           <a:p>
             <a:fld id="{14330129-87A2-468A-9691-17912D0CA255}" type="datetime1">
               <a:rPr lang="en-AU" smtClean="0"/>
-              <a:t>4/03/2020</a:t>
+              <a:t>18/03/2020</a:t>
             </a:fld>
             <a:endParaRPr lang="en-AU"/>
           </a:p>
@@ -1467,7 +1682,7 @@
           <a:p>
             <a:fld id="{CDE69C57-DECD-48FF-A711-7C5E684B94BB}" type="datetime1">
               <a:rPr lang="en-AU" smtClean="0"/>
-              <a:t>4/03/2020</a:t>
+              <a:t>18/03/2020</a:t>
             </a:fld>
             <a:endParaRPr lang="en-AU"/>
           </a:p>
@@ -1670,7 +1885,7 @@
           <a:p>
             <a:fld id="{0001CB84-DD54-4BA4-94BC-7725D08FBA1A}" type="datetime1">
               <a:rPr lang="en-AU" smtClean="0"/>
-              <a:t>4/03/2020</a:t>
+              <a:t>18/03/2020</a:t>
             </a:fld>
             <a:endParaRPr lang="en-AU"/>
           </a:p>
@@ -1949,7 +2164,7 @@
           <a:p>
             <a:fld id="{98F3250E-705D-4CF0-A5AB-9ACA3DB596D6}" type="datetime1">
               <a:rPr lang="en-AU" smtClean="0"/>
-              <a:t>4/03/2020</a:t>
+              <a:t>18/03/2020</a:t>
             </a:fld>
             <a:endParaRPr lang="en-AU"/>
           </a:p>
@@ -2220,7 +2435,7 @@
           <a:p>
             <a:fld id="{63286F58-D1FE-4A15-AB37-F59C95925BCD}" type="datetime1">
               <a:rPr lang="en-AU" smtClean="0"/>
-              <a:t>4/03/2020</a:t>
+              <a:t>18/03/2020</a:t>
             </a:fld>
             <a:endParaRPr lang="en-AU"/>
           </a:p>
@@ -2638,7 +2853,7 @@
           <a:p>
             <a:fld id="{711CC66B-061A-42D1-A3C5-20C620E9AE70}" type="datetime1">
               <a:rPr lang="en-AU" smtClean="0"/>
-              <a:t>4/03/2020</a:t>
+              <a:t>18/03/2020</a:t>
             </a:fld>
             <a:endParaRPr lang="en-AU"/>
           </a:p>
@@ -2783,7 +2998,7 @@
           <a:p>
             <a:fld id="{34F7C488-41B3-4B35-B6CE-042E79E55149}" type="datetime1">
               <a:rPr lang="en-AU" smtClean="0"/>
-              <a:t>4/03/2020</a:t>
+              <a:t>18/03/2020</a:t>
             </a:fld>
             <a:endParaRPr lang="en-AU"/>
           </a:p>
@@ -2899,7 +3114,7 @@
           <a:p>
             <a:fld id="{58EF828F-4844-49C3-A596-DCA869441585}" type="datetime1">
               <a:rPr lang="en-AU" smtClean="0"/>
-              <a:t>4/03/2020</a:t>
+              <a:t>18/03/2020</a:t>
             </a:fld>
             <a:endParaRPr lang="en-AU"/>
           </a:p>
@@ -3215,7 +3430,7 @@
           <a:p>
             <a:fld id="{E3161596-2B18-4FD2-BD81-49AEB14625A6}" type="datetime1">
               <a:rPr lang="en-AU" smtClean="0"/>
-              <a:t>4/03/2020</a:t>
+              <a:t>18/03/2020</a:t>
             </a:fld>
             <a:endParaRPr lang="en-AU"/>
           </a:p>
@@ -3507,7 +3722,7 @@
           <a:p>
             <a:fld id="{597C9C9A-EECE-4BF2-9074-9AEF9C820027}" type="datetime1">
               <a:rPr lang="en-AU" smtClean="0"/>
-              <a:t>4/03/2020</a:t>
+              <a:t>18/03/2020</a:t>
             </a:fld>
             <a:endParaRPr lang="en-AU"/>
           </a:p>
@@ -3753,7 +3968,7 @@
           <a:p>
             <a:fld id="{2B71CEB6-53EF-47A8-9702-2CB400CAF949}" type="datetime1">
               <a:rPr lang="en-AU" smtClean="0"/>
-              <a:t>4/03/2020</a:t>
+              <a:t>18/03/2020</a:t>
             </a:fld>
             <a:endParaRPr lang="en-AU"/>
           </a:p>
@@ -4331,15 +4546,15 @@
           <a:p>
             <a:r>
               <a:rPr lang="en-AU" dirty="0"/>
-              <a:t>Due to a general upwards trend in climate change, natural calamities like wildfires are on the rise. Especially in more vulnerable countries like Australia wildfires can be a massive problems given its ecological topography and vast dry and vulnerable forests. Due to the enormous size of Australia and its forests a lot of the areas most susceptible and/or affected by wildfires are very much out of reach. This combined with very little insight into these areas makes it extremely difficult to anticipate wildfires and deploy effective </a:t>
+              <a:t>Due to recent ongoing renovations at the school multiple class rooms have been put out of order, this has forced the administration to take unconventional and inconvenient measures to accommodate all the classes and students. This has led to many classes being turned into combined classes two similar classes with the same teacher are put into one classroom and then the teacher takes the class at the same time. This has led to the teachers being </a:t>
             </a:r>
             <a:r>
               <a:rPr lang="en-AU" dirty="0" err="1"/>
-              <a:t>preemptive</a:t>
+              <a:t>incharge</a:t>
             </a:r>
             <a:r>
               <a:rPr lang="en-AU" dirty="0"/>
-              <a:t> measure to avoid them and in some cases also fight them effectively</a:t>
+              <a:t> of a large number of students compared to what they were used to and this has led to many teachers feeling overwhelmed with simple administration tasks like attendance taking. </a:t>
             </a:r>
           </a:p>
         </p:txBody>
@@ -4520,7 +4735,7 @@
           <a:lstStyle/>
           <a:p>
             <a:r>
-              <a:rPr lang="en-AU"/>
+              <a:rPr lang="en-AU" dirty="0"/>
               <a:t>Design Brief</a:t>
             </a:r>
           </a:p>
@@ -4541,7 +4756,7 @@
         <p:spPr>
           <a:xfrm>
             <a:off x="838200" y="1027609"/>
-            <a:ext cx="9956800" cy="5693866"/>
+            <a:ext cx="9956800" cy="2677656"/>
           </a:xfrm>
           <a:prstGeom prst="rect">
             <a:avLst/>
@@ -4560,15 +4775,7 @@
             </a:pPr>
             <a:r>
               <a:rPr lang="en-AU" sz="2800" dirty="0"/>
-              <a:t>After much consideration it has been decided that a robust and modular autonomous system is needed that can be deployed into areas most likely to be affected by wildfires that can collect reliable and accurate data about factors that govern the likeliness and behaviour of wildfires. The system needs to be able to collect and record data about the </a:t>
-            </a:r>
-            <a:r>
-              <a:rPr lang="en-AU" sz="2800" b="1" u="sng" dirty="0"/>
-              <a:t>wind, temperature, moisture, air pressure</a:t>
-            </a:r>
-            <a:r>
-              <a:rPr lang="en-AU" sz="2800" dirty="0"/>
-              <a:t>. All this data will need to be accurately collected and then stored physically on site. The system also needs to be completely autonomous, powering itself through renewable energy, and capable of collecting and storing data for a large amount of time with very little upkeep from the End User. The system also needs to be safe as to protect the components against the elements </a:t>
+              <a:t>After much consideration it has been decided that a robust and modular administrative system needs to be developed and implemented into the classrooms and school as a whole. The system will need to log the movement of students as they enter in and out of the school thus acting like an attendance system relieving the burden off the Teachers. </a:t>
             </a:r>
           </a:p>
         </p:txBody>
@@ -4619,7 +4826,12 @@
             <p:ph type="title"/>
           </p:nvPr>
         </p:nvSpPr>
-        <p:spPr/>
+        <p:spPr>
+          <a:xfrm>
+            <a:off x="838200" y="198004"/>
+            <a:ext cx="10515600" cy="1086139"/>
+          </a:xfrm>
+        </p:spPr>
         <p:txBody>
           <a:bodyPr/>
           <a:lstStyle/>
@@ -4647,14 +4859,19 @@
             <p:ph idx="1"/>
           </p:nvPr>
         </p:nvSpPr>
-        <p:spPr/>
+        <p:spPr>
+          <a:xfrm>
+            <a:off x="838200" y="1373043"/>
+            <a:ext cx="10515600" cy="4351338"/>
+          </a:xfrm>
+        </p:spPr>
         <p:txBody>
           <a:bodyPr/>
           <a:lstStyle/>
           <a:p>
             <a:r>
               <a:rPr lang="en-AU" dirty="0"/>
-              <a:t>Mr. Richard Dickinson is the head of NSW DFES (Department of Fires and Emergency Services) and after the devastating 2019-2020 fires in the state and Australia wide has recognised a need for be pre-emptive about wildfires. He believes data is the key to anticipating where the fires will hit the hardest come fire season and that data will also help us be more efficient in putting tactical measures in place.</a:t>
+              <a:t>Mr. Richard Dickinson is the principal of St. Henry College, he is an progressive man always looking for new things to improve the workflow of this staff and teacher. To that Mr Dickinson had decided that this new attendance system will largely benefit the teachers as it streamlines their productivity and reduces administerial load that does not directly contribute to the education of students.</a:t>
             </a:r>
           </a:p>
         </p:txBody>

--- a/Folio/Design Brief RFID FINAL.pptx
+++ b/Folio/Design Brief RFID FINAL.pptx
@@ -138,23 +138,46 @@
 </p:cmAuthorLst>
 </file>
 
+<file path=ppt/revisionInfo.xml><?xml version="1.0" encoding="utf-8"?>
+<p1510:revInfo xmlns:a="http://schemas.openxmlformats.org/drawingml/2006/main" xmlns:r="http://schemas.openxmlformats.org/officeDocument/2006/relationships" xmlns:p1510="http://schemas.microsoft.com/office/powerpoint/2015/10/main">
+  <p1510:revLst>
+    <p1510:client id="{63F31B70-8B71-4811-9B45-C998EBFF8C4D}" v="1" dt="2020-03-26T11:58:53.822"/>
+  </p1510:revLst>
+</p1510:revInfo>
+</file>
+
 <file path=ppt/changesInfos/changesInfo1.xml><?xml version="1.0" encoding="utf-8"?>
 <pc:chgInfo xmlns:a="http://schemas.openxmlformats.org/drawingml/2006/main" xmlns:r="http://schemas.openxmlformats.org/officeDocument/2006/relationships" xmlns:ac="http://schemas.microsoft.com/office/drawing/2013/main/command" xmlns:pc="http://schemas.microsoft.com/office/powerpoint/2013/main/command">
   <pc:docChgLst>
     <pc:chgData name="Karna Amit" userId="512f0b414f2a6f27" providerId="LiveId" clId="{63F31B70-8B71-4811-9B45-C998EBFF8C4D}"/>
     <pc:docChg chg="undo custSel modSld">
-      <pc:chgData name="Karna Amit" userId="512f0b414f2a6f27" providerId="LiveId" clId="{63F31B70-8B71-4811-9B45-C998EBFF8C4D}" dt="2020-03-17T10:50:45.179" v="750" actId="20577"/>
+      <pc:chgData name="Karna Amit" userId="512f0b414f2a6f27" providerId="LiveId" clId="{63F31B70-8B71-4811-9B45-C998EBFF8C4D}" dt="2020-03-27T12:06:50.094" v="6133" actId="20577"/>
       <pc:docMkLst>
         <pc:docMk/>
       </pc:docMkLst>
       <pc:sldChg chg="modSp mod">
-        <pc:chgData name="Karna Amit" userId="512f0b414f2a6f27" providerId="LiveId" clId="{63F31B70-8B71-4811-9B45-C998EBFF8C4D}" dt="2020-03-17T10:42:57.260" v="225" actId="20577"/>
+        <pc:chgData name="Karna Amit" userId="512f0b414f2a6f27" providerId="LiveId" clId="{63F31B70-8B71-4811-9B45-C998EBFF8C4D}" dt="2020-03-26T12:25:32.760" v="1893" actId="20577"/>
+        <pc:sldMkLst>
+          <pc:docMk/>
+          <pc:sldMk cId="1530714256" sldId="257"/>
+        </pc:sldMkLst>
+        <pc:spChg chg="mod">
+          <ac:chgData name="Karna Amit" userId="512f0b414f2a6f27" providerId="LiveId" clId="{63F31B70-8B71-4811-9B45-C998EBFF8C4D}" dt="2020-03-26T12:25:32.760" v="1893" actId="20577"/>
+          <ac:spMkLst>
+            <pc:docMk/>
+            <pc:sldMk cId="1530714256" sldId="257"/>
+            <ac:spMk id="3" creationId="{8AF38D91-395E-4429-8B18-B575AB6D4F0B}"/>
+          </ac:spMkLst>
+        </pc:spChg>
+      </pc:sldChg>
+      <pc:sldChg chg="modSp mod">
+        <pc:chgData name="Karna Amit" userId="512f0b414f2a6f27" providerId="LiveId" clId="{63F31B70-8B71-4811-9B45-C998EBFF8C4D}" dt="2020-03-26T12:28:06.109" v="2418" actId="313"/>
         <pc:sldMkLst>
           <pc:docMk/>
           <pc:sldMk cId="3667717409" sldId="258"/>
         </pc:sldMkLst>
         <pc:spChg chg="mod">
-          <ac:chgData name="Karna Amit" userId="512f0b414f2a6f27" providerId="LiveId" clId="{63F31B70-8B71-4811-9B45-C998EBFF8C4D}" dt="2020-03-17T10:42:57.260" v="225" actId="20577"/>
+          <ac:chgData name="Karna Amit" userId="512f0b414f2a6f27" providerId="LiveId" clId="{63F31B70-8B71-4811-9B45-C998EBFF8C4D}" dt="2020-03-26T12:28:06.109" v="2418" actId="313"/>
           <ac:spMkLst>
             <pc:docMk/>
             <pc:sldMk cId="3667717409" sldId="258"/>
@@ -163,7 +186,7 @@
         </pc:spChg>
       </pc:sldChg>
       <pc:sldChg chg="modSp mod">
-        <pc:chgData name="Karna Amit" userId="512f0b414f2a6f27" providerId="LiveId" clId="{63F31B70-8B71-4811-9B45-C998EBFF8C4D}" dt="2020-03-17T10:50:45.179" v="750" actId="20577"/>
+        <pc:chgData name="Karna Amit" userId="512f0b414f2a6f27" providerId="LiveId" clId="{63F31B70-8B71-4811-9B45-C998EBFF8C4D}" dt="2020-03-26T12:32:09.949" v="2792" actId="33524"/>
         <pc:sldMkLst>
           <pc:docMk/>
           <pc:sldMk cId="107519994" sldId="259"/>
@@ -177,11 +200,94 @@
           </ac:spMkLst>
         </pc:spChg>
         <pc:spChg chg="mod">
-          <ac:chgData name="Karna Amit" userId="512f0b414f2a6f27" providerId="LiveId" clId="{63F31B70-8B71-4811-9B45-C998EBFF8C4D}" dt="2020-03-17T10:50:45.179" v="750" actId="20577"/>
+          <ac:chgData name="Karna Amit" userId="512f0b414f2a6f27" providerId="LiveId" clId="{63F31B70-8B71-4811-9B45-C998EBFF8C4D}" dt="2020-03-26T12:32:09.949" v="2792" actId="33524"/>
           <ac:spMkLst>
             <pc:docMk/>
             <pc:sldMk cId="107519994" sldId="259"/>
             <ac:spMk id="3" creationId="{63A38969-85DE-4C18-AA97-42E3AB275F87}"/>
+          </ac:spMkLst>
+        </pc:spChg>
+      </pc:sldChg>
+      <pc:sldChg chg="modSp mod delCm">
+        <pc:chgData name="Karna Amit" userId="512f0b414f2a6f27" providerId="LiveId" clId="{63F31B70-8B71-4811-9B45-C998EBFF8C4D}" dt="2020-03-26T12:35:57.645" v="3474" actId="1592"/>
+        <pc:sldMkLst>
+          <pc:docMk/>
+          <pc:sldMk cId="2466430643" sldId="260"/>
+        </pc:sldMkLst>
+        <pc:spChg chg="mod">
+          <ac:chgData name="Karna Amit" userId="512f0b414f2a6f27" providerId="LiveId" clId="{63F31B70-8B71-4811-9B45-C998EBFF8C4D}" dt="2020-03-26T12:35:51.678" v="3473" actId="20577"/>
+          <ac:spMkLst>
+            <pc:docMk/>
+            <pc:sldMk cId="2466430643" sldId="260"/>
+            <ac:spMk id="3" creationId="{35BBF47D-7C95-462C-B283-886AF606A169}"/>
+          </ac:spMkLst>
+        </pc:spChg>
+      </pc:sldChg>
+      <pc:sldChg chg="modSp mod">
+        <pc:chgData name="Karna Amit" userId="512f0b414f2a6f27" providerId="LiveId" clId="{63F31B70-8B71-4811-9B45-C998EBFF8C4D}" dt="2020-03-26T12:37:07.518" v="3661" actId="20577"/>
+        <pc:sldMkLst>
+          <pc:docMk/>
+          <pc:sldMk cId="4002303717" sldId="261"/>
+        </pc:sldMkLst>
+        <pc:spChg chg="mod">
+          <ac:chgData name="Karna Amit" userId="512f0b414f2a6f27" providerId="LiveId" clId="{63F31B70-8B71-4811-9B45-C998EBFF8C4D}" dt="2020-03-26T12:37:07.518" v="3661" actId="20577"/>
+          <ac:spMkLst>
+            <pc:docMk/>
+            <pc:sldMk cId="4002303717" sldId="261"/>
+            <ac:spMk id="3" creationId="{F8D28276-DBE3-4E6D-A586-D7FB587646DF}"/>
+          </ac:spMkLst>
+        </pc:spChg>
+      </pc:sldChg>
+      <pc:sldChg chg="modSp mod">
+        <pc:chgData name="Karna Amit" userId="512f0b414f2a6f27" providerId="LiveId" clId="{63F31B70-8B71-4811-9B45-C998EBFF8C4D}" dt="2020-03-26T12:41:29.383" v="4227" actId="20577"/>
+        <pc:sldMkLst>
+          <pc:docMk/>
+          <pc:sldMk cId="2205271606" sldId="262"/>
+        </pc:sldMkLst>
+        <pc:spChg chg="mod">
+          <ac:chgData name="Karna Amit" userId="512f0b414f2a6f27" providerId="LiveId" clId="{63F31B70-8B71-4811-9B45-C998EBFF8C4D}" dt="2020-03-26T12:41:29.383" v="4227" actId="20577"/>
+          <ac:spMkLst>
+            <pc:docMk/>
+            <pc:sldMk cId="2205271606" sldId="262"/>
+            <ac:spMk id="3" creationId="{E203A206-2773-41FD-AF46-1A8DFE540502}"/>
+          </ac:spMkLst>
+        </pc:spChg>
+      </pc:sldChg>
+      <pc:sldChg chg="modSp mod">
+        <pc:chgData name="Karna Amit" userId="512f0b414f2a6f27" providerId="LiveId" clId="{63F31B70-8B71-4811-9B45-C998EBFF8C4D}" dt="2020-03-27T12:06:50.094" v="6133" actId="20577"/>
+        <pc:sldMkLst>
+          <pc:docMk/>
+          <pc:sldMk cId="798994191" sldId="263"/>
+        </pc:sldMkLst>
+        <pc:spChg chg="mod">
+          <ac:chgData name="Karna Amit" userId="512f0b414f2a6f27" providerId="LiveId" clId="{63F31B70-8B71-4811-9B45-C998EBFF8C4D}" dt="2020-03-27T12:06:50.094" v="6133" actId="20577"/>
+          <ac:spMkLst>
+            <pc:docMk/>
+            <pc:sldMk cId="798994191" sldId="263"/>
+            <ac:spMk id="3" creationId="{CF1B2A77-46DB-47C7-BC33-8CABADE40FF5}"/>
+          </ac:spMkLst>
+        </pc:spChg>
+      </pc:sldChg>
+      <pc:sldChg chg="modSp mod">
+        <pc:chgData name="Karna Amit" userId="512f0b414f2a6f27" providerId="LiveId" clId="{63F31B70-8B71-4811-9B45-C998EBFF8C4D}" dt="2020-03-27T11:10:37.308" v="5343" actId="1076"/>
+        <pc:sldMkLst>
+          <pc:docMk/>
+          <pc:sldMk cId="3032803118" sldId="264"/>
+        </pc:sldMkLst>
+        <pc:spChg chg="mod">
+          <ac:chgData name="Karna Amit" userId="512f0b414f2a6f27" providerId="LiveId" clId="{63F31B70-8B71-4811-9B45-C998EBFF8C4D}" dt="2020-03-27T11:10:37.308" v="5343" actId="1076"/>
+          <ac:spMkLst>
+            <pc:docMk/>
+            <pc:sldMk cId="3032803118" sldId="264"/>
+            <ac:spMk id="2" creationId="{EBEDCC09-582E-49A3-8D0F-0D2EF6306B39}"/>
+          </ac:spMkLst>
+        </pc:spChg>
+        <pc:spChg chg="mod">
+          <ac:chgData name="Karna Amit" userId="512f0b414f2a6f27" providerId="LiveId" clId="{63F31B70-8B71-4811-9B45-C998EBFF8C4D}" dt="2020-03-27T08:53:53.098" v="5342" actId="20577"/>
+          <ac:spMkLst>
+            <pc:docMk/>
+            <pc:sldMk cId="3032803118" sldId="264"/>
+            <ac:spMk id="3" creationId="{93A8FEF1-BC0D-41AC-88A8-A4896D7828A7}"/>
           </ac:spMkLst>
         </pc:spChg>
       </pc:sldChg>
@@ -282,20 +388,6 @@
 </p:cmLst>
 </file>
 
-<file path=ppt/comments/comment2.xml><?xml version="1.0" encoding="utf-8"?>
-<p:cmLst xmlns:a="http://schemas.openxmlformats.org/drawingml/2006/main" xmlns:r="http://schemas.openxmlformats.org/officeDocument/2006/relationships" xmlns:p="http://schemas.openxmlformats.org/presentationml/2006/main">
-  <p:cm authorId="1" dt="2020-02-16T11:31:48.064" idx="5">
-    <p:pos x="6237" y="2228"/>
-    <p:text>Forgot what the word was</p:text>
-    <p:extLst>
-      <p:ext uri="{C676402C-5697-4E1C-873F-D02D1690AC5C}">
-        <p15:threadingInfo xmlns:p15="http://schemas.microsoft.com/office/powerpoint/2012/main" timeZoneBias="-660"/>
-      </p:ext>
-    </p:extLst>
-  </p:cm>
-</p:cmLst>
-</file>
-
 <file path=ppt/handoutMasters/handoutMaster1.xml><?xml version="1.0" encoding="utf-8"?>
 <p:handoutMaster xmlns:a="http://schemas.openxmlformats.org/drawingml/2006/main" xmlns:r="http://schemas.openxmlformats.org/officeDocument/2006/relationships" xmlns:p="http://schemas.openxmlformats.org/presentationml/2006/main">
   <p:cSld>
@@ -393,7 +485,7 @@
           <a:p>
             <a:fld id="{6EBBC747-2960-436F-864A-7A10A7B4DC4E}" type="datetimeFigureOut">
               <a:rPr lang="en-AU" smtClean="0"/>
-              <a:t>18/03/2020</a:t>
+              <a:t>27/03/2020</a:t>
             </a:fld>
             <a:endParaRPr lang="en-AU"/>
           </a:p>
@@ -577,7 +669,7 @@
           <a:p>
             <a:fld id="{7A8EDBA8-2926-40EE-8712-3CC94D24D01B}" type="datetimeFigureOut">
               <a:rPr lang="en-AU" smtClean="0"/>
-              <a:t>18/03/2020</a:t>
+              <a:t>27/03/2020</a:t>
             </a:fld>
             <a:endParaRPr lang="en-AU"/>
           </a:p>
@@ -1266,7 +1358,7 @@
           <a:p>
             <a:fld id="{ED176C11-203E-49ED-86D4-66E41C858C8F}" type="datetime1">
               <a:rPr lang="en-AU" smtClean="0"/>
-              <a:t>18/03/2020</a:t>
+              <a:t>27/03/2020</a:t>
             </a:fld>
             <a:endParaRPr lang="en-AU"/>
           </a:p>
@@ -1469,7 +1561,7 @@
           <a:p>
             <a:fld id="{14330129-87A2-468A-9691-17912D0CA255}" type="datetime1">
               <a:rPr lang="en-AU" smtClean="0"/>
-              <a:t>18/03/2020</a:t>
+              <a:t>27/03/2020</a:t>
             </a:fld>
             <a:endParaRPr lang="en-AU"/>
           </a:p>
@@ -1682,7 +1774,7 @@
           <a:p>
             <a:fld id="{CDE69C57-DECD-48FF-A711-7C5E684B94BB}" type="datetime1">
               <a:rPr lang="en-AU" smtClean="0"/>
-              <a:t>18/03/2020</a:t>
+              <a:t>27/03/2020</a:t>
             </a:fld>
             <a:endParaRPr lang="en-AU"/>
           </a:p>
@@ -1885,7 +1977,7 @@
           <a:p>
             <a:fld id="{0001CB84-DD54-4BA4-94BC-7725D08FBA1A}" type="datetime1">
               <a:rPr lang="en-AU" smtClean="0"/>
-              <a:t>18/03/2020</a:t>
+              <a:t>27/03/2020</a:t>
             </a:fld>
             <a:endParaRPr lang="en-AU"/>
           </a:p>
@@ -2164,7 +2256,7 @@
           <a:p>
             <a:fld id="{98F3250E-705D-4CF0-A5AB-9ACA3DB596D6}" type="datetime1">
               <a:rPr lang="en-AU" smtClean="0"/>
-              <a:t>18/03/2020</a:t>
+              <a:t>27/03/2020</a:t>
             </a:fld>
             <a:endParaRPr lang="en-AU"/>
           </a:p>
@@ -2435,7 +2527,7 @@
           <a:p>
             <a:fld id="{63286F58-D1FE-4A15-AB37-F59C95925BCD}" type="datetime1">
               <a:rPr lang="en-AU" smtClean="0"/>
-              <a:t>18/03/2020</a:t>
+              <a:t>27/03/2020</a:t>
             </a:fld>
             <a:endParaRPr lang="en-AU"/>
           </a:p>
@@ -2853,7 +2945,7 @@
           <a:p>
             <a:fld id="{711CC66B-061A-42D1-A3C5-20C620E9AE70}" type="datetime1">
               <a:rPr lang="en-AU" smtClean="0"/>
-              <a:t>18/03/2020</a:t>
+              <a:t>27/03/2020</a:t>
             </a:fld>
             <a:endParaRPr lang="en-AU"/>
           </a:p>
@@ -2998,7 +3090,7 @@
           <a:p>
             <a:fld id="{34F7C488-41B3-4B35-B6CE-042E79E55149}" type="datetime1">
               <a:rPr lang="en-AU" smtClean="0"/>
-              <a:t>18/03/2020</a:t>
+              <a:t>27/03/2020</a:t>
             </a:fld>
             <a:endParaRPr lang="en-AU"/>
           </a:p>
@@ -3114,7 +3206,7 @@
           <a:p>
             <a:fld id="{58EF828F-4844-49C3-A596-DCA869441585}" type="datetime1">
               <a:rPr lang="en-AU" smtClean="0"/>
-              <a:t>18/03/2020</a:t>
+              <a:t>27/03/2020</a:t>
             </a:fld>
             <a:endParaRPr lang="en-AU"/>
           </a:p>
@@ -3430,7 +3522,7 @@
           <a:p>
             <a:fld id="{E3161596-2B18-4FD2-BD81-49AEB14625A6}" type="datetime1">
               <a:rPr lang="en-AU" smtClean="0"/>
-              <a:t>18/03/2020</a:t>
+              <a:t>27/03/2020</a:t>
             </a:fld>
             <a:endParaRPr lang="en-AU"/>
           </a:p>
@@ -3722,7 +3814,7 @@
           <a:p>
             <a:fld id="{597C9C9A-EECE-4BF2-9074-9AEF9C820027}" type="datetime1">
               <a:rPr lang="en-AU" smtClean="0"/>
-              <a:t>18/03/2020</a:t>
+              <a:t>27/03/2020</a:t>
             </a:fld>
             <a:endParaRPr lang="en-AU"/>
           </a:p>
@@ -3968,7 +4060,7 @@
           <a:p>
             <a:fld id="{2B71CEB6-53EF-47A8-9702-2CB400CAF949}" type="datetime1">
               <a:rPr lang="en-AU" smtClean="0"/>
-              <a:t>18/03/2020</a:t>
+              <a:t>27/03/2020</a:t>
             </a:fld>
             <a:endParaRPr lang="en-AU"/>
           </a:p>
@@ -4540,21 +4632,21 @@
         </p:spPr>
         <p:txBody>
           <a:bodyPr>
-            <a:normAutofit/>
+            <a:normAutofit lnSpcReduction="10000"/>
           </a:bodyPr>
           <a:lstStyle/>
           <a:p>
             <a:r>
               <a:rPr lang="en-AU" dirty="0"/>
-              <a:t>Due to recent ongoing renovations at the school multiple class rooms have been put out of order, this has forced the administration to take unconventional and inconvenient measures to accommodate all the classes and students. This has led to many classes being turned into combined classes two similar classes with the same teacher are put into one classroom and then the teacher takes the class at the same time. This has led to the teachers being </a:t>
+              <a:t>Due to a recent push to make the schools IT infrastructure more robust, The Moordale Secondary school principal Mr Groff has decided build in a new IT &amp; Tech wing in the school to buy a bunch of new equipment and infrastructure to support the students learning. The first phase of the plan is underway and new improved equipment has been ordered and the IT department has started circulating the equipment, among which are laptops, </a:t>
             </a:r>
             <a:r>
               <a:rPr lang="en-AU" dirty="0" err="1"/>
-              <a:t>incharge</a:t>
+              <a:t>ipads</a:t>
             </a:r>
             <a:r>
               <a:rPr lang="en-AU" dirty="0"/>
-              <a:t> of a large number of students compared to what they were used to and this has led to many teachers feeling overwhelmed with simple administration tasks like attendance taking. </a:t>
+              <a:t>, computers etc. But the IT departments having a hard time keeping track of all this new equipment as it gets handed down to a large number of students especially in the junior school, as laptops gets misplaces and damaged and there is no reliable system in place to keep track of the equipment.</a:t>
             </a:r>
           </a:p>
         </p:txBody>
@@ -4756,7 +4848,7 @@
         <p:spPr>
           <a:xfrm>
             <a:off x="838200" y="1027609"/>
-            <a:ext cx="9956800" cy="2677656"/>
+            <a:ext cx="9956800" cy="4401205"/>
           </a:xfrm>
           <a:prstGeom prst="rect">
             <a:avLst/>
@@ -4775,7 +4867,7 @@
             </a:pPr>
             <a:r>
               <a:rPr lang="en-AU" sz="2800" dirty="0"/>
-              <a:t>After much consideration it has been decided that a robust and modular administrative system needs to be developed and implemented into the classrooms and school as a whole. The system will need to log the movement of students as they enter in and out of the school thus acting like an attendance system relieving the burden off the Teachers. </a:t>
+              <a:t>After much consideration it has been decided that a robust and modular administrative system needs to be developed and implemented into the classrooms and school as a whole. They system will need log every time a student or a member of staff checks out a device from the device bays located through out the school. The system will have to record identifying information about the entity using the device, the accurate date and time and the location of the device. All the data also needs to be stored safely with the database maintaining high industry standards regarding privacy of students and staff. </a:t>
             </a:r>
           </a:p>
         </p:txBody>
@@ -4871,7 +4963,15 @@
           <a:p>
             <a:r>
               <a:rPr lang="en-AU" dirty="0"/>
-              <a:t>Mr. Richard Dickinson is the principal of St. Henry College, he is an progressive man always looking for new things to improve the workflow of this staff and teacher. To that Mr Dickinson had decided that this new attendance system will largely benefit the teachers as it streamlines their productivity and reduces administerial load that does not directly contribute to the education of students.</a:t>
+              <a:t>Mr. </a:t>
+            </a:r>
+            <a:r>
+              <a:rPr lang="en-AU" dirty="0" err="1"/>
+              <a:t>Micheal</a:t>
+            </a:r>
+            <a:r>
+              <a:rPr lang="en-AU" dirty="0"/>
+              <a:t> Groff is the principal of Moordale Secondary, he is an progressive man always looking for new things to improve the workflow of this staff and teacher. To that Mr Groff had decided that this new set of infrastructure and equipment will help to greatly improve in class efficiency of both the students and staff. He has personally invested a lot of time and effort into this program and would like it to succeed. </a:t>
             </a:r>
           </a:p>
         </p:txBody>
@@ -5023,24 +5123,20 @@
           <a:p>
             <a:r>
               <a:rPr lang="en-AU" dirty="0"/>
-              <a:t>The system will be deployed by rural and small volunteer run CFA’s. because of the nature of the end user the system needs to be easy to install and intuitive.  </a:t>
-            </a:r>
-          </a:p>
-          <a:p>
-            <a:r>
-              <a:rPr lang="en-AU"/>
-              <a:t> </a:t>
-            </a:r>
-            <a:endParaRPr lang="en-AU" dirty="0"/>
+              <a:t>The system will be deployed throughout the school in the many device bays scattered around the school from which the both the students and teachers can borrow a device for use. </a:t>
+            </a:r>
           </a:p>
           <a:p>
             <a:r>
               <a:rPr lang="en-AU" dirty="0"/>
-              <a:t>All the data collected across all devices in a CFA’s mandate will be bunched up and sent to all the relevant stakeholders. General weather data like temperature and humidity may also at the CFA’s discretion be uploaded to open source platforms for the general public to take advantage of.</a:t>
-            </a:r>
-          </a:p>
-          <a:p>
-            <a:endParaRPr lang="en-AU" dirty="0"/>
+              <a:t>The school administration and the IT department as they use the solution to make sure the equipment is being used properly and to track down any faults in the equipment and the last user.</a:t>
+            </a:r>
+          </a:p>
+          <a:p>
+            <a:r>
+              <a:rPr lang="en-AU" dirty="0"/>
+              <a:t>The IT department and the school administration as they use the data from the solution to track how well the programs going and how much and where and in what way the students and staff are taking advantage of the new infrastructure.</a:t>
+            </a:r>
           </a:p>
         </p:txBody>
       </p:sp>
@@ -5209,7 +5305,7 @@
           <a:p>
             <a:r>
               <a:rPr lang="en-AU" dirty="0"/>
-              <a:t>Robustness: The system needs to be robust enough to handle general wear in harsh forest environments.</a:t>
+              <a:t>Robustness: The system needs to be robust enough to handle general wear in harsh school environment with frequent use by untrained students.</a:t>
             </a:r>
           </a:p>
           <a:p>
@@ -5221,7 +5317,7 @@
           <a:p>
             <a:r>
               <a:rPr lang="en-AU" dirty="0"/>
-              <a:t>Energy/power consumption: As the system will be completely autonomous and solar powered, power consumption is a massive constraint</a:t>
+              <a:t>Energy/power consumption: As the system will be low power and be able to function as a autonomous unit as a part of the device bays.</a:t>
             </a:r>
           </a:p>
           <a:p>
@@ -5369,33 +5465,19 @@
         </p:spPr>
         <p:txBody>
           <a:bodyPr>
-            <a:normAutofit/>
+            <a:normAutofit fontScale="92500" lnSpcReduction="10000"/>
           </a:bodyPr>
           <a:lstStyle/>
           <a:p>
             <a:r>
               <a:rPr lang="en-AU" dirty="0"/>
-              <a:t>Safety: We really don’t want this thing to burn down and cause a forest fire. That would be extremely ironic…</a:t>
+              <a:t>Safety: Safe to use around untrained students and staff who may not necessarily know what they are doing and cause undue harm to the device.</a:t>
             </a:r>
           </a:p>
           <a:p>
             <a:r>
               <a:rPr lang="en-AU" dirty="0"/>
-              <a:t>Housing: To </a:t>
-            </a:r>
-            <a:r>
-              <a:rPr lang="en-AU" dirty="0" err="1"/>
-              <a:t>to</a:t>
-            </a:r>
-            <a:r>
-              <a:rPr lang="en-AU" dirty="0"/>
-              <a:t> the unsafe nature of the environment the system will be placed in the housing would have to be extremely robust.</a:t>
-            </a:r>
-          </a:p>
-          <a:p>
-            <a:r>
-              <a:rPr lang="en-AU" dirty="0"/>
-              <a:t>Ease of Installation/Use: The system needs to be easy to install.</a:t>
+              <a:t>Ease of Installation/Use: The system needs to be easy to install in to the pre-existing device bays. And be able to be used by extremely dumb people</a:t>
             </a:r>
           </a:p>
           <a:p>
@@ -5407,11 +5489,13 @@
           <a:p>
             <a:r>
               <a:rPr lang="en-AU" dirty="0"/>
-              <a:t>Accuracy: The data collected needs to be precise and accurate to be useful for real </a:t>
-            </a:r>
-            <a:r>
-              <a:rPr lang="en-AU"/>
-              <a:t>world applications.</a:t>
+              <a:t>Accuracy: The data collected and stored needs to be accurate to be useful in real world applications.</a:t>
+            </a:r>
+          </a:p>
+          <a:p>
+            <a:r>
+              <a:rPr lang="en-AU" dirty="0"/>
+              <a:t>Speed: The whole process needs to be quick and efficient as there may be a large group of people trying to use the device bays and people using the solution may not have a lot of patients.</a:t>
             </a:r>
           </a:p>
           <a:p>
@@ -5567,7 +5651,7 @@
         </p:spPr>
         <p:txBody>
           <a:bodyPr>
-            <a:normAutofit fontScale="92500" lnSpcReduction="20000"/>
+            <a:normAutofit fontScale="77500" lnSpcReduction="20000"/>
           </a:bodyPr>
           <a:lstStyle/>
           <a:p>
@@ -5579,7 +5663,7 @@
             </a:pPr>
             <a:r>
               <a:rPr lang="en-AU" dirty="0"/>
-              <a:t>• Accuracy Test</a:t>
+              <a:t>• Accuracy Test- How accurate is the data collected, the time stamps and the user stamps?</a:t>
             </a:r>
           </a:p>
           <a:p>
@@ -5588,7 +5672,7 @@
             </a:pPr>
             <a:r>
               <a:rPr lang="en-AU" dirty="0"/>
-              <a:t>• Reliability Test</a:t>
+              <a:t>• Reliability Test- How reliable is the solution, can it be trusted to take care of high value equipment?</a:t>
             </a:r>
           </a:p>
           <a:p>
@@ -5597,7 +5681,7 @@
             </a:pPr>
             <a:r>
               <a:rPr lang="en-AU" dirty="0"/>
-              <a:t>• Load Test</a:t>
+              <a:t>• Load Test- Does the system hold up when multiples users are accessing the database from multiple entities?</a:t>
             </a:r>
           </a:p>
           <a:p>
@@ -5606,7 +5690,7 @@
             </a:pPr>
             <a:r>
               <a:rPr lang="en-AU" dirty="0"/>
-              <a:t>• Power Test</a:t>
+              <a:t>• Power Test- What's the load consumption, can it function reliably by sharing power with the autonomous devices apart from the mains power?</a:t>
             </a:r>
           </a:p>
           <a:p>
@@ -5615,7 +5699,7 @@
             </a:pPr>
             <a:r>
               <a:rPr lang="en-AU" dirty="0"/>
-              <a:t>• Manual and automatic calibration Test</a:t>
+              <a:t>• Security Test- Is it secure enough for deployment? Can it take care of high value equipment and keep it safe?</a:t>
             </a:r>
           </a:p>
           <a:p>
@@ -5624,7 +5708,7 @@
             </a:pPr>
             <a:r>
               <a:rPr lang="en-AU" dirty="0"/>
-              <a:t>• IOT connection Tests</a:t>
+              <a:t>• Networking Test- is the Network the solution is running on stable and how does the connection and other entities within the network while under load and or stress.</a:t>
             </a:r>
           </a:p>
           <a:p>
@@ -5633,25 +5717,7 @@
             </a:pPr>
             <a:r>
               <a:rPr lang="en-AU" dirty="0"/>
-              <a:t>• Waterproofing Test</a:t>
-            </a:r>
-          </a:p>
-          <a:p>
-            <a:pPr marL="0" indent="0">
-              <a:buNone/>
-            </a:pPr>
-            <a:r>
-              <a:rPr lang="en-AU" dirty="0"/>
-              <a:t>• Networking Test</a:t>
-            </a:r>
-          </a:p>
-          <a:p>
-            <a:pPr marL="0" indent="0">
-              <a:buNone/>
-            </a:pPr>
-            <a:r>
-              <a:rPr lang="en-AU" dirty="0"/>
-              <a:t>• Tolerance Test</a:t>
+              <a:t>• Tolerance Test- What's the </a:t>
             </a:r>
           </a:p>
           <a:p>
@@ -5762,7 +5828,12 @@
             <p:ph type="title"/>
           </p:nvPr>
         </p:nvSpPr>
-        <p:spPr/>
+        <p:spPr>
+          <a:xfrm>
+            <a:off x="838200" y="360116"/>
+            <a:ext cx="10515600" cy="1325563"/>
+          </a:xfrm>
+        </p:spPr>
         <p:txBody>
           <a:bodyPr/>
           <a:lstStyle/>
@@ -5793,81 +5864,141 @@
         </p:nvSpPr>
         <p:spPr/>
         <p:txBody>
-          <a:bodyPr/>
-          <a:lstStyle/>
-          <a:p>
-            <a:pPr marL="0" indent="0">
-              <a:buNone/>
+          <a:bodyPr>
+            <a:normAutofit fontScale="85000" lnSpcReduction="20000"/>
+          </a:bodyPr>
+          <a:lstStyle/>
+          <a:p>
+            <a:pPr>
+              <a:buFont typeface="Wingdings" panose="05000000000000000000" pitchFamily="2" charset="2"/>
+              <a:buChar char="§"/>
             </a:pPr>
             <a:r>
               <a:rPr lang="en-AU" dirty="0"/>
-              <a:t>▪ Solar Panels</a:t>
-            </a:r>
-          </a:p>
-          <a:p>
-            <a:pPr marL="0" indent="0">
-              <a:buNone/>
+              <a:t>SQL- Hardcoding a server with all the queries and table </a:t>
+            </a:r>
+            <a:r>
+              <a:rPr lang="en-AU" dirty="0" err="1"/>
+              <a:t>writted</a:t>
+            </a:r>
+            <a:r>
+              <a:rPr lang="en-AU" dirty="0"/>
+              <a:t> in </a:t>
+            </a:r>
+            <a:r>
+              <a:rPr lang="en-AU" dirty="0" err="1"/>
+              <a:t>sql</a:t>
+            </a:r>
+            <a:r>
+              <a:rPr lang="en-AU" dirty="0"/>
+              <a:t>, Apache and or </a:t>
+            </a:r>
+            <a:r>
+              <a:rPr lang="en-AU" dirty="0" err="1"/>
+              <a:t>mySQL</a:t>
+            </a:r>
+            <a:r>
+              <a:rPr lang="en-AU" dirty="0"/>
+              <a:t>?</a:t>
+            </a:r>
+          </a:p>
+          <a:p>
+            <a:pPr>
+              <a:buFont typeface="Wingdings" panose="05000000000000000000" pitchFamily="2" charset="2"/>
+              <a:buChar char="§"/>
             </a:pPr>
             <a:r>
               <a:rPr lang="en-AU" dirty="0"/>
-              <a:t>▪ Servo Motors</a:t>
-            </a:r>
-          </a:p>
-          <a:p>
-            <a:pPr marL="0" indent="0">
-              <a:buNone/>
+              <a:t>PHP- Integrating a </a:t>
+            </a:r>
+            <a:r>
+              <a:rPr lang="en-AU" dirty="0" err="1"/>
+              <a:t>sql</a:t>
+            </a:r>
+            <a:r>
+              <a:rPr lang="en-AU" dirty="0"/>
+              <a:t> server with a webpage and taking to other devices with php, direct integration?</a:t>
+            </a:r>
+          </a:p>
+          <a:p>
+            <a:pPr>
+              <a:buFont typeface="Wingdings" panose="05000000000000000000" pitchFamily="2" charset="2"/>
+              <a:buChar char="§"/>
             </a:pPr>
             <a:r>
               <a:rPr lang="en-AU" dirty="0"/>
-              <a:t>▪ Power storage </a:t>
-            </a:r>
-          </a:p>
-          <a:p>
-            <a:pPr marL="0" indent="0">
-              <a:buNone/>
+              <a:t>Webserver- Hosting a </a:t>
+            </a:r>
+            <a:r>
+              <a:rPr lang="en-AU" dirty="0" err="1"/>
+              <a:t>sql</a:t>
+            </a:r>
+            <a:r>
+              <a:rPr lang="en-AU" dirty="0"/>
+              <a:t> server on a device (</a:t>
+            </a:r>
+            <a:r>
+              <a:rPr lang="en-AU" dirty="0" err="1"/>
+              <a:t>Esp</a:t>
+            </a:r>
+            <a:r>
+              <a:rPr lang="en-AU" dirty="0"/>
+              <a:t> 32), separate webhosting platform?</a:t>
+            </a:r>
+          </a:p>
+          <a:p>
+            <a:pPr>
+              <a:buFont typeface="Wingdings" panose="05000000000000000000" pitchFamily="2" charset="2"/>
+              <a:buChar char="§"/>
             </a:pPr>
             <a:r>
               <a:rPr lang="en-AU" dirty="0"/>
-              <a:t>▪ Power Monitoring</a:t>
-            </a:r>
-          </a:p>
-          <a:p>
-            <a:pPr marL="0" indent="0">
-              <a:buNone/>
+              <a:t>RFID- Using RFID as authentication protocol for the solution, Fingerprints as an appendix module or an alternative?</a:t>
+            </a:r>
+          </a:p>
+          <a:p>
+            <a:pPr>
+              <a:buFont typeface="Wingdings" panose="05000000000000000000" pitchFamily="2" charset="2"/>
+              <a:buChar char="§"/>
             </a:pPr>
             <a:r>
               <a:rPr lang="en-AU" dirty="0"/>
-              <a:t>▪ Waterproofing Electronics </a:t>
-            </a:r>
-          </a:p>
-          <a:p>
-            <a:pPr marL="0" indent="0">
-              <a:buNone/>
+              <a:t>ESP32- Using ESP 32 as the base for the project, other viable options?</a:t>
+            </a:r>
+          </a:p>
+          <a:p>
+            <a:pPr>
+              <a:buFont typeface="Wingdings" panose="05000000000000000000" pitchFamily="2" charset="2"/>
+              <a:buChar char="§"/>
             </a:pPr>
             <a:r>
               <a:rPr lang="en-AU" dirty="0"/>
-              <a:t>▪ Arduinos</a:t>
-            </a:r>
-          </a:p>
-          <a:p>
-            <a:pPr marL="0" indent="0">
-              <a:buNone/>
+              <a:t>WIFI- Different ways of connecting to the open internet, and the fastest and most power efficient way to do so.</a:t>
+            </a:r>
+          </a:p>
+          <a:p>
+            <a:pPr>
+              <a:buFont typeface="Wingdings" panose="05000000000000000000" pitchFamily="2" charset="2"/>
+              <a:buChar char="§"/>
             </a:pPr>
             <a:r>
               <a:rPr lang="en-AU" dirty="0"/>
-              <a:t>▪ Connecting multiple Arduinos together with a Pi</a:t>
-            </a:r>
-          </a:p>
-          <a:p>
-            <a:pPr marL="0" indent="0">
-              <a:buNone/>
+              <a:t>IOT- Other ways and avenue to make the solution more </a:t>
+            </a:r>
+            <a:r>
+              <a:rPr lang="en-AU" dirty="0" err="1"/>
+              <a:t>accecible</a:t>
+            </a:r>
+            <a:r>
+              <a:rPr lang="en-AU" dirty="0"/>
+              <a:t> and realistic and other places and different ways to implement them.</a:t>
+            </a:r>
+          </a:p>
+          <a:p>
+            <a:pPr>
+              <a:buFont typeface="Wingdings" panose="05000000000000000000" pitchFamily="2" charset="2"/>
+              <a:buChar char="§"/>
             </a:pPr>
-            <a:r>
-              <a:rPr lang="en-AU" dirty="0"/>
-              <a:t>▪ Using weather sensors.</a:t>
-            </a:r>
-          </a:p>
-          <a:p>
             <a:endParaRPr lang="en-AU" dirty="0"/>
           </a:p>
         </p:txBody>

--- a/Folio/Design Brief RFID FINAL.pptx
+++ b/Folio/Design Brief RFID FINAL.pptx
@@ -135,13 +135,20 @@
       </p:ext>
     </p:extLst>
   </p:cmAuthor>
+  <p:cmAuthor id="2" name="sam drew" initials="sd" lastIdx="12" clrIdx="1">
+    <p:extLst>
+      <p:ext uri="{19B8F6BF-5375-455C-9EA6-DF929625EA0E}">
+        <p15:presenceInfo xmlns:p15="http://schemas.microsoft.com/office/powerpoint/2012/main" userId="066a4bc48ae62e81" providerId="Windows Live"/>
+      </p:ext>
+    </p:extLst>
+  </p:cmAuthor>
 </p:cmAuthorLst>
 </file>
 
 <file path=ppt/revisionInfo.xml><?xml version="1.0" encoding="utf-8"?>
 <p1510:revInfo xmlns:a="http://schemas.openxmlformats.org/drawingml/2006/main" xmlns:r="http://schemas.openxmlformats.org/officeDocument/2006/relationships" xmlns:p1510="http://schemas.microsoft.com/office/powerpoint/2015/10/main">
   <p1510:revLst>
-    <p1510:client id="{63F31B70-8B71-4811-9B45-C998EBFF8C4D}" v="1" dt="2020-03-26T11:58:53.822"/>
+    <p1510:client id="{63F31B70-8B71-4811-9B45-C998EBFF8C4D}" v="4" dt="2020-04-22T00:08:19.502"/>
   </p1510:revLst>
 </p1510:revInfo>
 </file>
@@ -150,19 +157,26 @@
 <pc:chgInfo xmlns:a="http://schemas.openxmlformats.org/drawingml/2006/main" xmlns:r="http://schemas.openxmlformats.org/officeDocument/2006/relationships" xmlns:ac="http://schemas.microsoft.com/office/drawing/2013/main/command" xmlns:pc="http://schemas.microsoft.com/office/powerpoint/2013/main/command">
   <pc:docChgLst>
     <pc:chgData name="Karna Amit" userId="512f0b414f2a6f27" providerId="LiveId" clId="{63F31B70-8B71-4811-9B45-C998EBFF8C4D}"/>
-    <pc:docChg chg="undo custSel modSld">
-      <pc:chgData name="Karna Amit" userId="512f0b414f2a6f27" providerId="LiveId" clId="{63F31B70-8B71-4811-9B45-C998EBFF8C4D}" dt="2020-03-27T12:06:50.094" v="6133" actId="20577"/>
+    <pc:docChg chg="custSel modSld">
+      <pc:chgData name="Karna Amit" userId="512f0b414f2a6f27" providerId="LiveId" clId="{63F31B70-8B71-4811-9B45-C998EBFF8C4D}" dt="2020-04-22T12:37:49.376" v="148" actId="5900"/>
       <pc:docMkLst>
         <pc:docMk/>
       </pc:docMkLst>
+      <pc:sldChg chg="delCm">
+        <pc:chgData name="Karna Amit" userId="512f0b414f2a6f27" providerId="LiveId" clId="{63F31B70-8B71-4811-9B45-C998EBFF8C4D}" dt="2020-04-22T00:07:21.411" v="1" actId="1592"/>
+        <pc:sldMkLst>
+          <pc:docMk/>
+          <pc:sldMk cId="2863815556" sldId="256"/>
+        </pc:sldMkLst>
+      </pc:sldChg>
       <pc:sldChg chg="modSp mod">
-        <pc:chgData name="Karna Amit" userId="512f0b414f2a6f27" providerId="LiveId" clId="{63F31B70-8B71-4811-9B45-C998EBFF8C4D}" dt="2020-03-26T12:25:32.760" v="1893" actId="20577"/>
+        <pc:chgData name="Karna Amit" userId="512f0b414f2a6f27" providerId="LiveId" clId="{63F31B70-8B71-4811-9B45-C998EBFF8C4D}" dt="2020-04-22T00:08:05.135" v="4" actId="207"/>
         <pc:sldMkLst>
           <pc:docMk/>
           <pc:sldMk cId="1530714256" sldId="257"/>
         </pc:sldMkLst>
         <pc:spChg chg="mod">
-          <ac:chgData name="Karna Amit" userId="512f0b414f2a6f27" providerId="LiveId" clId="{63F31B70-8B71-4811-9B45-C998EBFF8C4D}" dt="2020-03-26T12:25:32.760" v="1893" actId="20577"/>
+          <ac:chgData name="Karna Amit" userId="512f0b414f2a6f27" providerId="LiveId" clId="{63F31B70-8B71-4811-9B45-C998EBFF8C4D}" dt="2020-04-22T00:08:05.135" v="4" actId="207"/>
           <ac:spMkLst>
             <pc:docMk/>
             <pc:sldMk cId="1530714256" sldId="257"/>
@@ -171,13 +185,13 @@
         </pc:spChg>
       </pc:sldChg>
       <pc:sldChg chg="modSp mod">
-        <pc:chgData name="Karna Amit" userId="512f0b414f2a6f27" providerId="LiveId" clId="{63F31B70-8B71-4811-9B45-C998EBFF8C4D}" dt="2020-03-26T12:28:06.109" v="2418" actId="313"/>
+        <pc:chgData name="Karna Amit" userId="512f0b414f2a6f27" providerId="LiveId" clId="{63F31B70-8B71-4811-9B45-C998EBFF8C4D}" dt="2020-04-22T00:08:13.595" v="6" actId="207"/>
         <pc:sldMkLst>
           <pc:docMk/>
           <pc:sldMk cId="3667717409" sldId="258"/>
         </pc:sldMkLst>
         <pc:spChg chg="mod">
-          <ac:chgData name="Karna Amit" userId="512f0b414f2a6f27" providerId="LiveId" clId="{63F31B70-8B71-4811-9B45-C998EBFF8C4D}" dt="2020-03-26T12:28:06.109" v="2418" actId="313"/>
+          <ac:chgData name="Karna Amit" userId="512f0b414f2a6f27" providerId="LiveId" clId="{63F31B70-8B71-4811-9B45-C998EBFF8C4D}" dt="2020-04-22T00:08:13.595" v="6" actId="207"/>
           <ac:spMkLst>
             <pc:docMk/>
             <pc:sldMk cId="3667717409" sldId="258"/>
@@ -186,21 +200,13 @@
         </pc:spChg>
       </pc:sldChg>
       <pc:sldChg chg="modSp mod">
-        <pc:chgData name="Karna Amit" userId="512f0b414f2a6f27" providerId="LiveId" clId="{63F31B70-8B71-4811-9B45-C998EBFF8C4D}" dt="2020-03-26T12:32:09.949" v="2792" actId="33524"/>
+        <pc:chgData name="Karna Amit" userId="512f0b414f2a6f27" providerId="LiveId" clId="{63F31B70-8B71-4811-9B45-C998EBFF8C4D}" dt="2020-04-22T00:08:19.502" v="8" actId="207"/>
         <pc:sldMkLst>
           <pc:docMk/>
           <pc:sldMk cId="107519994" sldId="259"/>
         </pc:sldMkLst>
         <pc:spChg chg="mod">
-          <ac:chgData name="Karna Amit" userId="512f0b414f2a6f27" providerId="LiveId" clId="{63F31B70-8B71-4811-9B45-C998EBFF8C4D}" dt="2020-03-17T10:48:37.045" v="558" actId="1076"/>
-          <ac:spMkLst>
-            <pc:docMk/>
-            <pc:sldMk cId="107519994" sldId="259"/>
-            <ac:spMk id="2" creationId="{11373EE5-E27C-40DC-BCEF-F65A1A459131}"/>
-          </ac:spMkLst>
-        </pc:spChg>
-        <pc:spChg chg="mod">
-          <ac:chgData name="Karna Amit" userId="512f0b414f2a6f27" providerId="LiveId" clId="{63F31B70-8B71-4811-9B45-C998EBFF8C4D}" dt="2020-03-26T12:32:09.949" v="2792" actId="33524"/>
+          <ac:chgData name="Karna Amit" userId="512f0b414f2a6f27" providerId="LiveId" clId="{63F31B70-8B71-4811-9B45-C998EBFF8C4D}" dt="2020-04-22T00:08:19.502" v="8" actId="207"/>
           <ac:spMkLst>
             <pc:docMk/>
             <pc:sldMk cId="107519994" sldId="259"/>
@@ -208,164 +214,18 @@
           </ac:spMkLst>
         </pc:spChg>
       </pc:sldChg>
-      <pc:sldChg chg="modSp mod delCm">
-        <pc:chgData name="Karna Amit" userId="512f0b414f2a6f27" providerId="LiveId" clId="{63F31B70-8B71-4811-9B45-C998EBFF8C4D}" dt="2020-03-26T12:35:57.645" v="3474" actId="1592"/>
-        <pc:sldMkLst>
-          <pc:docMk/>
-          <pc:sldMk cId="2466430643" sldId="260"/>
-        </pc:sldMkLst>
-        <pc:spChg chg="mod">
-          <ac:chgData name="Karna Amit" userId="512f0b414f2a6f27" providerId="LiveId" clId="{63F31B70-8B71-4811-9B45-C998EBFF8C4D}" dt="2020-03-26T12:35:51.678" v="3473" actId="20577"/>
-          <ac:spMkLst>
-            <pc:docMk/>
-            <pc:sldMk cId="2466430643" sldId="260"/>
-            <ac:spMk id="3" creationId="{35BBF47D-7C95-462C-B283-886AF606A169}"/>
-          </ac:spMkLst>
-        </pc:spChg>
-      </pc:sldChg>
-      <pc:sldChg chg="modSp mod">
-        <pc:chgData name="Karna Amit" userId="512f0b414f2a6f27" providerId="LiveId" clId="{63F31B70-8B71-4811-9B45-C998EBFF8C4D}" dt="2020-03-26T12:37:07.518" v="3661" actId="20577"/>
+      <pc:sldChg chg="modSp mod modCm">
+        <pc:chgData name="Karna Amit" userId="512f0b414f2a6f27" providerId="LiveId" clId="{63F31B70-8B71-4811-9B45-C998EBFF8C4D}" dt="2020-04-22T12:37:49.376" v="148" actId="5900"/>
         <pc:sldMkLst>
           <pc:docMk/>
           <pc:sldMk cId="4002303717" sldId="261"/>
         </pc:sldMkLst>
         <pc:spChg chg="mod">
-          <ac:chgData name="Karna Amit" userId="512f0b414f2a6f27" providerId="LiveId" clId="{63F31B70-8B71-4811-9B45-C998EBFF8C4D}" dt="2020-03-26T12:37:07.518" v="3661" actId="20577"/>
+          <ac:chgData name="Karna Amit" userId="512f0b414f2a6f27" providerId="LiveId" clId="{63F31B70-8B71-4811-9B45-C998EBFF8C4D}" dt="2020-04-22T12:30:22.460" v="146" actId="20577"/>
           <ac:spMkLst>
             <pc:docMk/>
             <pc:sldMk cId="4002303717" sldId="261"/>
             <ac:spMk id="3" creationId="{F8D28276-DBE3-4E6D-A586-D7FB587646DF}"/>
-          </ac:spMkLst>
-        </pc:spChg>
-      </pc:sldChg>
-      <pc:sldChg chg="modSp mod">
-        <pc:chgData name="Karna Amit" userId="512f0b414f2a6f27" providerId="LiveId" clId="{63F31B70-8B71-4811-9B45-C998EBFF8C4D}" dt="2020-03-26T12:41:29.383" v="4227" actId="20577"/>
-        <pc:sldMkLst>
-          <pc:docMk/>
-          <pc:sldMk cId="2205271606" sldId="262"/>
-        </pc:sldMkLst>
-        <pc:spChg chg="mod">
-          <ac:chgData name="Karna Amit" userId="512f0b414f2a6f27" providerId="LiveId" clId="{63F31B70-8B71-4811-9B45-C998EBFF8C4D}" dt="2020-03-26T12:41:29.383" v="4227" actId="20577"/>
-          <ac:spMkLst>
-            <pc:docMk/>
-            <pc:sldMk cId="2205271606" sldId="262"/>
-            <ac:spMk id="3" creationId="{E203A206-2773-41FD-AF46-1A8DFE540502}"/>
-          </ac:spMkLst>
-        </pc:spChg>
-      </pc:sldChg>
-      <pc:sldChg chg="modSp mod">
-        <pc:chgData name="Karna Amit" userId="512f0b414f2a6f27" providerId="LiveId" clId="{63F31B70-8B71-4811-9B45-C998EBFF8C4D}" dt="2020-03-27T12:06:50.094" v="6133" actId="20577"/>
-        <pc:sldMkLst>
-          <pc:docMk/>
-          <pc:sldMk cId="798994191" sldId="263"/>
-        </pc:sldMkLst>
-        <pc:spChg chg="mod">
-          <ac:chgData name="Karna Amit" userId="512f0b414f2a6f27" providerId="LiveId" clId="{63F31B70-8B71-4811-9B45-C998EBFF8C4D}" dt="2020-03-27T12:06:50.094" v="6133" actId="20577"/>
-          <ac:spMkLst>
-            <pc:docMk/>
-            <pc:sldMk cId="798994191" sldId="263"/>
-            <ac:spMk id="3" creationId="{CF1B2A77-46DB-47C7-BC33-8CABADE40FF5}"/>
-          </ac:spMkLst>
-        </pc:spChg>
-      </pc:sldChg>
-      <pc:sldChg chg="modSp mod">
-        <pc:chgData name="Karna Amit" userId="512f0b414f2a6f27" providerId="LiveId" clId="{63F31B70-8B71-4811-9B45-C998EBFF8C4D}" dt="2020-03-27T11:10:37.308" v="5343" actId="1076"/>
-        <pc:sldMkLst>
-          <pc:docMk/>
-          <pc:sldMk cId="3032803118" sldId="264"/>
-        </pc:sldMkLst>
-        <pc:spChg chg="mod">
-          <ac:chgData name="Karna Amit" userId="512f0b414f2a6f27" providerId="LiveId" clId="{63F31B70-8B71-4811-9B45-C998EBFF8C4D}" dt="2020-03-27T11:10:37.308" v="5343" actId="1076"/>
-          <ac:spMkLst>
-            <pc:docMk/>
-            <pc:sldMk cId="3032803118" sldId="264"/>
-            <ac:spMk id="2" creationId="{EBEDCC09-582E-49A3-8D0F-0D2EF6306B39}"/>
-          </ac:spMkLst>
-        </pc:spChg>
-        <pc:spChg chg="mod">
-          <ac:chgData name="Karna Amit" userId="512f0b414f2a6f27" providerId="LiveId" clId="{63F31B70-8B71-4811-9B45-C998EBFF8C4D}" dt="2020-03-27T08:53:53.098" v="5342" actId="20577"/>
-          <ac:spMkLst>
-            <pc:docMk/>
-            <pc:sldMk cId="3032803118" sldId="264"/>
-            <ac:spMk id="3" creationId="{93A8FEF1-BC0D-41AC-88A8-A4896D7828A7}"/>
-          </ac:spMkLst>
-        </pc:spChg>
-      </pc:sldChg>
-    </pc:docChg>
-  </pc:docChgLst>
-  <pc:docChgLst>
-    <pc:chgData name="Karna Amit" userId="512f0b414f2a6f27" providerId="LiveId" clId="{0B86C9F0-3814-4815-92BF-23E12D18F18C}"/>
-    <pc:docChg chg="custSel modSld">
-      <pc:chgData name="Karna Amit" userId="512f0b414f2a6f27" providerId="LiveId" clId="{0B86C9F0-3814-4815-92BF-23E12D18F18C}" dt="2020-03-18T00:52:01.467" v="1036" actId="313"/>
-      <pc:docMkLst>
-        <pc:docMk/>
-      </pc:docMkLst>
-      <pc:sldChg chg="modSp mod delCm">
-        <pc:chgData name="Karna Amit" userId="512f0b414f2a6f27" providerId="LiveId" clId="{0B86C9F0-3814-4815-92BF-23E12D18F18C}" dt="2020-03-15T23:00:32.072" v="886" actId="20577"/>
-        <pc:sldMkLst>
-          <pc:docMk/>
-          <pc:sldMk cId="1530714256" sldId="257"/>
-        </pc:sldMkLst>
-        <pc:spChg chg="mod">
-          <ac:chgData name="Karna Amit" userId="512f0b414f2a6f27" providerId="LiveId" clId="{0B86C9F0-3814-4815-92BF-23E12D18F18C}" dt="2020-03-15T23:00:32.072" v="886" actId="20577"/>
-          <ac:spMkLst>
-            <pc:docMk/>
-            <pc:sldMk cId="1530714256" sldId="257"/>
-            <ac:spMk id="3" creationId="{8AF38D91-395E-4429-8B18-B575AB6D4F0B}"/>
-          </ac:spMkLst>
-        </pc:spChg>
-      </pc:sldChg>
-      <pc:sldChg chg="modSp mod">
-        <pc:chgData name="Karna Amit" userId="512f0b414f2a6f27" providerId="LiveId" clId="{0B86C9F0-3814-4815-92BF-23E12D18F18C}" dt="2020-03-15T23:03:52.885" v="1035" actId="20577"/>
-        <pc:sldMkLst>
-          <pc:docMk/>
-          <pc:sldMk cId="3667717409" sldId="258"/>
-        </pc:sldMkLst>
-        <pc:spChg chg="mod">
-          <ac:chgData name="Karna Amit" userId="512f0b414f2a6f27" providerId="LiveId" clId="{0B86C9F0-3814-4815-92BF-23E12D18F18C}" dt="2020-03-15T23:03:52.885" v="1035" actId="20577"/>
-          <ac:spMkLst>
-            <pc:docMk/>
-            <pc:sldMk cId="3667717409" sldId="258"/>
-            <ac:spMk id="6" creationId="{3DBC47F1-B446-479F-9938-1AF1500B948D}"/>
-          </ac:spMkLst>
-        </pc:spChg>
-      </pc:sldChg>
-      <pc:sldChg chg="modSp mod">
-        <pc:chgData name="Karna Amit" userId="512f0b414f2a6f27" providerId="LiveId" clId="{0B86C9F0-3814-4815-92BF-23E12D18F18C}" dt="2020-03-18T00:52:01.467" v="1036" actId="313"/>
-        <pc:sldMkLst>
-          <pc:docMk/>
-          <pc:sldMk cId="107519994" sldId="259"/>
-        </pc:sldMkLst>
-        <pc:spChg chg="mod">
-          <ac:chgData name="Karna Amit" userId="512f0b414f2a6f27" providerId="LiveId" clId="{0B86C9F0-3814-4815-92BF-23E12D18F18C}" dt="2020-03-18T00:52:01.467" v="1036" actId="313"/>
-          <ac:spMkLst>
-            <pc:docMk/>
-            <pc:sldMk cId="107519994" sldId="259"/>
-            <ac:spMk id="3" creationId="{63A38969-85DE-4C18-AA97-42E3AB275F87}"/>
-          </ac:spMkLst>
-        </pc:spChg>
-      </pc:sldChg>
-    </pc:docChg>
-  </pc:docChgLst>
-  <pc:docChgLst>
-    <pc:chgData name="Karna Amit" userId="512f0b414f2a6f27" providerId="LiveId" clId="{46C8A294-AB96-4F32-A233-CD8B7DED91E7}"/>
-    <pc:docChg chg="modSld">
-      <pc:chgData name="Karna Amit" userId="512f0b414f2a6f27" providerId="LiveId" clId="{46C8A294-AB96-4F32-A233-CD8B7DED91E7}" dt="2020-03-04T00:37:55.355" v="8" actId="1076"/>
-      <pc:docMkLst>
-        <pc:docMk/>
-      </pc:docMkLst>
-      <pc:sldChg chg="modSp mod">
-        <pc:chgData name="Karna Amit" userId="512f0b414f2a6f27" providerId="LiveId" clId="{46C8A294-AB96-4F32-A233-CD8B7DED91E7}" dt="2020-03-04T00:37:55.355" v="8" actId="1076"/>
-        <pc:sldMkLst>
-          <pc:docMk/>
-          <pc:sldMk cId="1530714256" sldId="257"/>
-        </pc:sldMkLst>
-        <pc:spChg chg="mod">
-          <ac:chgData name="Karna Amit" userId="512f0b414f2a6f27" providerId="LiveId" clId="{46C8A294-AB96-4F32-A233-CD8B7DED91E7}" dt="2020-03-04T00:37:55.355" v="8" actId="1076"/>
-          <ac:spMkLst>
-            <pc:docMk/>
-            <pc:sldMk cId="1530714256" sldId="257"/>
-            <ac:spMk id="3" creationId="{8AF38D91-395E-4429-8B18-B575AB6D4F0B}"/>
           </ac:spMkLst>
         </pc:spChg>
       </pc:sldChg>
@@ -376,12 +236,137 @@
 
 <file path=ppt/comments/comment1.xml><?xml version="1.0" encoding="utf-8"?>
 <p:cmLst xmlns:a="http://schemas.openxmlformats.org/drawingml/2006/main" xmlns:r="http://schemas.openxmlformats.org/officeDocument/2006/relationships" xmlns:p="http://schemas.openxmlformats.org/presentationml/2006/main">
-  <p:cm authorId="1" dt="2020-02-16T11:26:40.170" idx="4">
-    <p:pos x="5097" y="1664"/>
-    <p:text>Should I chuck in a slide thats just a introduction..?</p:text>
+  <p:cm authorId="2" dt="2020-04-22T07:11:42.843" idx="2">
+    <p:pos x="2304" y="232"/>
+    <p:text>Just proof your writing, but a really strong start.</p:text>
     <p:extLst>
       <p:ext uri="{C676402C-5697-4E1C-873F-D02D1690AC5C}">
-        <p15:threadingInfo xmlns:p15="http://schemas.microsoft.com/office/powerpoint/2012/main" timeZoneBias="-660"/>
+        <p15:threadingInfo xmlns:p15="http://schemas.microsoft.com/office/powerpoint/2012/main" timeZoneBias="-600"/>
+      </p:ext>
+    </p:extLst>
+  </p:cm>
+</p:cmLst>
+</file>
+
+<file path=ppt/comments/comment2.xml><?xml version="1.0" encoding="utf-8"?>
+<p:cmLst xmlns:a="http://schemas.openxmlformats.org/drawingml/2006/main" xmlns:r="http://schemas.openxmlformats.org/officeDocument/2006/relationships" xmlns:p="http://schemas.openxmlformats.org/presentationml/2006/main">
+  <p:cm authorId="2" dt="2020-04-22T07:14:42.857" idx="3">
+    <p:pos x="1339" y="201"/>
+    <p:text>This is concise and to the point, I like it.</p:text>
+    <p:extLst>
+      <p:ext uri="{C676402C-5697-4E1C-873F-D02D1690AC5C}">
+        <p15:threadingInfo xmlns:p15="http://schemas.microsoft.com/office/powerpoint/2012/main" timeZoneBias="-600"/>
+      </p:ext>
+    </p:extLst>
+  </p:cm>
+</p:cmLst>
+</file>
+
+<file path=ppt/comments/comment3.xml><?xml version="1.0" encoding="utf-8"?>
+<p:cmLst xmlns:a="http://schemas.openxmlformats.org/drawingml/2006/main" xmlns:r="http://schemas.openxmlformats.org/officeDocument/2006/relationships" xmlns:p="http://schemas.openxmlformats.org/presentationml/2006/main">
+  <p:cm authorId="2" dt="2020-04-22T07:16:23.300" idx="4">
+    <p:pos x="1395" y="271"/>
+    <p:text>This is generally ok, is there anything you can add that would give more direction to the project from Mr. Groff's perspective; timeframe, reliable system, safe and durable for longevity - for example.</p:text>
+    <p:extLst>
+      <p:ext uri="{C676402C-5697-4E1C-873F-D02D1690AC5C}">
+        <p15:threadingInfo xmlns:p15="http://schemas.microsoft.com/office/powerpoint/2012/main" timeZoneBias="-600"/>
+      </p:ext>
+    </p:extLst>
+  </p:cm>
+</p:cmLst>
+</file>
+
+<file path=ppt/comments/comment4.xml><?xml version="1.0" encoding="utf-8"?>
+<p:cmLst xmlns:a="http://schemas.openxmlformats.org/drawingml/2006/main" xmlns:r="http://schemas.openxmlformats.org/officeDocument/2006/relationships" xmlns:p="http://schemas.openxmlformats.org/presentationml/2006/main">
+  <p:cm authorId="2" dt="2020-04-22T07:19:40.310" idx="5">
+    <p:pos x="2068" y="347"/>
+    <p:text>This covers end users well, happy with this.</p:text>
+    <p:extLst>
+      <p:ext uri="{C676402C-5697-4E1C-873F-D02D1690AC5C}">
+        <p15:threadingInfo xmlns:p15="http://schemas.microsoft.com/office/powerpoint/2012/main" timeZoneBias="-600"/>
+      </p:ext>
+    </p:extLst>
+  </p:cm>
+</p:cmLst>
+</file>
+
+<file path=ppt/comments/comment5.xml><?xml version="1.0" encoding="utf-8"?>
+<p:cmLst xmlns:a="http://schemas.openxmlformats.org/drawingml/2006/main" xmlns:r="http://schemas.openxmlformats.org/officeDocument/2006/relationships" xmlns:p="http://schemas.openxmlformats.org/presentationml/2006/main">
+  <p:cm authorId="2" dt="2020-04-22T07:20:42.495" idx="6">
+    <p:pos x="10" y="10"/>
+    <p:text>Put a value on it, I know it is hard but have a target and see how close you get.</p:text>
+    <p:extLst>
+      <p:ext uri="{C676402C-5697-4E1C-873F-D02D1690AC5C}">
+        <p15:threadingInfo xmlns:p15="http://schemas.microsoft.com/office/powerpoint/2012/main" timeZoneBias="-600"/>
+      </p:ext>
+    </p:extLst>
+  </p:cm>
+  <p:cm authorId="2" dt="2020-04-22T07:21:37.025" idx="7">
+    <p:pos x="5124" y="1326"/>
+    <p:text>This is too general, be more specific, give general dimensions.</p:text>
+    <p:extLst>
+      <p:ext uri="{C676402C-5697-4E1C-873F-D02D1690AC5C}">
+        <p15:threadingInfo xmlns:p15="http://schemas.microsoft.com/office/powerpoint/2012/main" timeZoneBias="-600"/>
+      </p:ext>
+    </p:extLst>
+  </p:cm>
+  <p:cm authorId="2" dt="2020-04-22T07:22:36.922" idx="8">
+    <p:pos x="5919" y="2136"/>
+    <p:text>Perhaps look up worksafe for a safe load to work with and specifiy here.</p:text>
+    <p:extLst>
+      <p:ext uri="{C676402C-5697-4E1C-873F-D02D1690AC5C}">
+        <p15:threadingInfo xmlns:p15="http://schemas.microsoft.com/office/powerpoint/2012/main" timeZoneBias="-600"/>
+      </p:ext>
+    </p:extLst>
+  </p:cm>
+  <p:cm authorId="2" dt="2020-04-22T07:24:13.650" idx="9">
+    <p:pos x="146" y="146"/>
+    <p:text>Last three are general, but ok for now. Perhap hard to give specifications at this stage.</p:text>
+    <p:extLst>
+      <p:ext uri="{C676402C-5697-4E1C-873F-D02D1690AC5C}">
+        <p15:threadingInfo xmlns:p15="http://schemas.microsoft.com/office/powerpoint/2012/main" timeZoneBias="-600"/>
+      </p:ext>
+    </p:extLst>
+  </p:cm>
+</p:cmLst>
+</file>
+
+<file path=ppt/comments/comment6.xml><?xml version="1.0" encoding="utf-8"?>
+<p:cmLst xmlns:a="http://schemas.openxmlformats.org/drawingml/2006/main" xmlns:r="http://schemas.openxmlformats.org/officeDocument/2006/relationships" xmlns:p="http://schemas.openxmlformats.org/presentationml/2006/main">
+  <p:cm authorId="2" dt="2020-04-22T07:27:34.414" idx="10">
+    <p:pos x="10" y="10"/>
+    <p:text>This is well thought out.</p:text>
+    <p:extLst>
+      <p:ext uri="{C676402C-5697-4E1C-873F-D02D1690AC5C}">
+        <p15:threadingInfo xmlns:p15="http://schemas.microsoft.com/office/powerpoint/2012/main" timeZoneBias="-600"/>
+      </p:ext>
+    </p:extLst>
+  </p:cm>
+</p:cmLst>
+</file>
+
+<file path=ppt/comments/comment7.xml><?xml version="1.0" encoding="utf-8"?>
+<p:cmLst xmlns:a="http://schemas.openxmlformats.org/drawingml/2006/main" xmlns:r="http://schemas.openxmlformats.org/officeDocument/2006/relationships" xmlns:p="http://schemas.openxmlformats.org/presentationml/2006/main">
+  <p:cm authorId="2" dt="2020-04-22T07:29:04.635" idx="11">
+    <p:pos x="10" y="10"/>
+    <p:text>This is a good range of tests. The last one needs completing.</p:text>
+    <p:extLst>
+      <p:ext uri="{C676402C-5697-4E1C-873F-D02D1690AC5C}">
+        <p15:threadingInfo xmlns:p15="http://schemas.microsoft.com/office/powerpoint/2012/main" timeZoneBias="-600"/>
+      </p:ext>
+    </p:extLst>
+  </p:cm>
+</p:cmLst>
+</file>
+
+<file path=ppt/comments/comment8.xml><?xml version="1.0" encoding="utf-8"?>
+<p:cmLst xmlns:a="http://schemas.openxmlformats.org/drawingml/2006/main" xmlns:r="http://schemas.openxmlformats.org/officeDocument/2006/relationships" xmlns:p="http://schemas.openxmlformats.org/presentationml/2006/main">
+  <p:cm authorId="2" dt="2020-04-22T07:29:48.338" idx="12">
+    <p:pos x="10" y="10"/>
+    <p:text>This is also very detailed, great. It appears you have a clear sense of direction now.</p:text>
+    <p:extLst>
+      <p:ext uri="{C676402C-5697-4E1C-873F-D02D1690AC5C}">
+        <p15:threadingInfo xmlns:p15="http://schemas.microsoft.com/office/powerpoint/2012/main" timeZoneBias="-600"/>
       </p:ext>
     </p:extLst>
   </p:cm>
@@ -485,7 +470,7 @@
           <a:p>
             <a:fld id="{6EBBC747-2960-436F-864A-7A10A7B4DC4E}" type="datetimeFigureOut">
               <a:rPr lang="en-AU" smtClean="0"/>
-              <a:t>27/03/2020</a:t>
+              <a:t>22/04/2020</a:t>
             </a:fld>
             <a:endParaRPr lang="en-AU"/>
           </a:p>
@@ -669,7 +654,7 @@
           <a:p>
             <a:fld id="{7A8EDBA8-2926-40EE-8712-3CC94D24D01B}" type="datetimeFigureOut">
               <a:rPr lang="en-AU" smtClean="0"/>
-              <a:t>27/03/2020</a:t>
+              <a:t>22/04/2020</a:t>
             </a:fld>
             <a:endParaRPr lang="en-AU"/>
           </a:p>
@@ -1358,7 +1343,7 @@
           <a:p>
             <a:fld id="{ED176C11-203E-49ED-86D4-66E41C858C8F}" type="datetime1">
               <a:rPr lang="en-AU" smtClean="0"/>
-              <a:t>27/03/2020</a:t>
+              <a:t>22/04/2020</a:t>
             </a:fld>
             <a:endParaRPr lang="en-AU"/>
           </a:p>
@@ -1561,7 +1546,7 @@
           <a:p>
             <a:fld id="{14330129-87A2-468A-9691-17912D0CA255}" type="datetime1">
               <a:rPr lang="en-AU" smtClean="0"/>
-              <a:t>27/03/2020</a:t>
+              <a:t>22/04/2020</a:t>
             </a:fld>
             <a:endParaRPr lang="en-AU"/>
           </a:p>
@@ -1774,7 +1759,7 @@
           <a:p>
             <a:fld id="{CDE69C57-DECD-48FF-A711-7C5E684B94BB}" type="datetime1">
               <a:rPr lang="en-AU" smtClean="0"/>
-              <a:t>27/03/2020</a:t>
+              <a:t>22/04/2020</a:t>
             </a:fld>
             <a:endParaRPr lang="en-AU"/>
           </a:p>
@@ -1977,7 +1962,7 @@
           <a:p>
             <a:fld id="{0001CB84-DD54-4BA4-94BC-7725D08FBA1A}" type="datetime1">
               <a:rPr lang="en-AU" smtClean="0"/>
-              <a:t>27/03/2020</a:t>
+              <a:t>22/04/2020</a:t>
             </a:fld>
             <a:endParaRPr lang="en-AU"/>
           </a:p>
@@ -2256,7 +2241,7 @@
           <a:p>
             <a:fld id="{98F3250E-705D-4CF0-A5AB-9ACA3DB596D6}" type="datetime1">
               <a:rPr lang="en-AU" smtClean="0"/>
-              <a:t>27/03/2020</a:t>
+              <a:t>22/04/2020</a:t>
             </a:fld>
             <a:endParaRPr lang="en-AU"/>
           </a:p>
@@ -2527,7 +2512,7 @@
           <a:p>
             <a:fld id="{63286F58-D1FE-4A15-AB37-F59C95925BCD}" type="datetime1">
               <a:rPr lang="en-AU" smtClean="0"/>
-              <a:t>27/03/2020</a:t>
+              <a:t>22/04/2020</a:t>
             </a:fld>
             <a:endParaRPr lang="en-AU"/>
           </a:p>
@@ -2945,7 +2930,7 @@
           <a:p>
             <a:fld id="{711CC66B-061A-42D1-A3C5-20C620E9AE70}" type="datetime1">
               <a:rPr lang="en-AU" smtClean="0"/>
-              <a:t>27/03/2020</a:t>
+              <a:t>22/04/2020</a:t>
             </a:fld>
             <a:endParaRPr lang="en-AU"/>
           </a:p>
@@ -3090,7 +3075,7 @@
           <a:p>
             <a:fld id="{34F7C488-41B3-4B35-B6CE-042E79E55149}" type="datetime1">
               <a:rPr lang="en-AU" smtClean="0"/>
-              <a:t>27/03/2020</a:t>
+              <a:t>22/04/2020</a:t>
             </a:fld>
             <a:endParaRPr lang="en-AU"/>
           </a:p>
@@ -3206,7 +3191,7 @@
           <a:p>
             <a:fld id="{58EF828F-4844-49C3-A596-DCA869441585}" type="datetime1">
               <a:rPr lang="en-AU" smtClean="0"/>
-              <a:t>27/03/2020</a:t>
+              <a:t>22/04/2020</a:t>
             </a:fld>
             <a:endParaRPr lang="en-AU"/>
           </a:p>
@@ -3522,7 +3507,7 @@
           <a:p>
             <a:fld id="{E3161596-2B18-4FD2-BD81-49AEB14625A6}" type="datetime1">
               <a:rPr lang="en-AU" smtClean="0"/>
-              <a:t>27/03/2020</a:t>
+              <a:t>22/04/2020</a:t>
             </a:fld>
             <a:endParaRPr lang="en-AU"/>
           </a:p>
@@ -3814,7 +3799,7 @@
           <a:p>
             <a:fld id="{597C9C9A-EECE-4BF2-9074-9AEF9C820027}" type="datetime1">
               <a:rPr lang="en-AU" smtClean="0"/>
-              <a:t>27/03/2020</a:t>
+              <a:t>22/04/2020</a:t>
             </a:fld>
             <a:endParaRPr lang="en-AU"/>
           </a:p>
@@ -4060,7 +4045,7 @@
           <a:p>
             <a:fld id="{2B71CEB6-53EF-47A8-9702-2CB400CAF949}" type="datetime1">
               <a:rPr lang="en-AU" smtClean="0"/>
-              <a:t>27/03/2020</a:t>
+              <a:t>22/04/2020</a:t>
             </a:fld>
             <a:endParaRPr lang="en-AU"/>
           </a:p>
@@ -4638,7 +4623,7 @@
           <a:p>
             <a:r>
               <a:rPr lang="en-AU" dirty="0"/>
-              <a:t>Due to a recent push to make the schools IT infrastructure more robust, The Moordale Secondary school principal Mr Groff has decided build in a new IT &amp; Tech wing in the school to buy a bunch of new equipment and infrastructure to support the students learning. The first phase of the plan is underway and new improved equipment has been ordered and the IT department has started circulating the equipment, among which are laptops, </a:t>
+              <a:t>Due to a recent push to make the schools IT infrastructure more robust, The Moordale Secondary school principal Mr Groff has decided to build in a new IT &amp; Tech wing in the school to buy a bunch of new equipment and infrastructure to support the students learning. The first phase of the plan is underway and new improved equipment has been ordered and the IT department has started circulating the equipment, among which are laptops, </a:t>
             </a:r>
             <a:r>
               <a:rPr lang="en-AU" dirty="0" err="1"/>
@@ -4646,7 +4631,7 @@
             </a:r>
             <a:r>
               <a:rPr lang="en-AU" dirty="0"/>
-              <a:t>, computers etc. But the IT departments having a hard time keeping track of all this new equipment as it gets handed down to a large number of students especially in the junior school, as laptops gets misplaces and damaged and there is no reliable system in place to keep track of the equipment.</a:t>
+              <a:t>, computers etc. But the IT department is having a hard time keeping track of all this new equipment as it gets handed out to a large number of students especially in the junior school, as laptops get misplaced and damaged and there is no reliable system in place to keep track of the equipment.</a:t>
             </a:r>
           </a:p>
         </p:txBody>
@@ -4867,7 +4852,7 @@
             </a:pPr>
             <a:r>
               <a:rPr lang="en-AU" sz="2800" dirty="0"/>
-              <a:t>After much consideration it has been decided that a robust and modular administrative system needs to be developed and implemented into the classrooms and school as a whole. They system will need log every time a student or a member of staff checks out a device from the device bays located through out the school. The system will have to record identifying information about the entity using the device, the accurate date and time and the location of the device. All the data also needs to be stored safely with the database maintaining high industry standards regarding privacy of students and staff. </a:t>
+              <a:t>After much consideration it has been decided that a robust and modular administrative system needs to be developed and implemented into the classrooms and school as a whole. The system will need to log every time a student or a member of staff checks out a device from the device bays located through out the school. The system will have to record identifying information about the entity using the device, the accurate date and time and the location of the device. All the data also needs to be stored safely with the database maintaining high industry standards regarding privacy of students and staff. </a:t>
             </a:r>
           </a:p>
         </p:txBody>
@@ -4963,15 +4948,19 @@
           <a:p>
             <a:r>
               <a:rPr lang="en-AU" dirty="0"/>
-              <a:t>Mr. </a:t>
-            </a:r>
-            <a:r>
-              <a:rPr lang="en-AU" dirty="0" err="1"/>
-              <a:t>Micheal</a:t>
+              <a:t>Mr. Michael</a:t>
+            </a:r>
+            <a:r>
+              <a:rPr lang="en-AU" dirty="0">
+                <a:solidFill>
+                  <a:srgbClr val="FF0000"/>
+                </a:solidFill>
+              </a:rPr>
+              <a:t> </a:t>
             </a:r>
             <a:r>
               <a:rPr lang="en-AU" dirty="0"/>
-              <a:t> Groff is the principal of Moordale Secondary, he is an progressive man always looking for new things to improve the workflow of this staff and teacher. To that Mr Groff had decided that this new set of infrastructure and equipment will help to greatly improve in class efficiency of both the students and staff. He has personally invested a lot of time and effort into this program and would like it to succeed. </a:t>
+              <a:t>Groff is the principal of Moordale Secondary, he is an progressive man always looking for new things to improve the workflow of this staff and teacher. To that Mr Groff had decided that this new set of infrastructure and equipment will help to greatly improve in class efficiency of both the students and staff. He has personally invested a lot of time and effort into this program and would like it to succeed. </a:t>
             </a:r>
           </a:p>
         </p:txBody>
@@ -5281,25 +5270,25 @@
           <a:p>
             <a:r>
               <a:rPr lang="en-AU" dirty="0"/>
-              <a:t>Time: The system needs to be completed before the end of term 3</a:t>
+              <a:t>Time: The system needs to be completed before the end of term 3 Week 5</a:t>
             </a:r>
           </a:p>
           <a:p>
             <a:r>
               <a:rPr lang="en-AU" dirty="0"/>
-              <a:t>Cost:  Needs to fall below maximum budget of $___</a:t>
+              <a:t>Cost:  Needs to fall below maximum budget of $200</a:t>
             </a:r>
           </a:p>
           <a:p>
             <a:r>
               <a:rPr lang="en-AU" dirty="0"/>
-              <a:t>Size: The system needs to be sized reasonably</a:t>
+              <a:t>Size: The system needs to be sized as to fit as an accessory to most laptop bays already in circulation.</a:t>
             </a:r>
           </a:p>
           <a:p>
             <a:r>
               <a:rPr lang="en-AU" dirty="0"/>
-              <a:t>Weight: The system needs to be portable and easy to handle</a:t>
+              <a:t>Weight: The system needs to be portable and easy to handle, </a:t>
             </a:r>
           </a:p>
           <a:p>
@@ -5376,7 +5365,7 @@
           <a:lstStyle/>
           <a:p>
             <a:r>
-              <a:rPr lang="en-AU"/>
+              <a:rPr lang="en-AU" dirty="0"/>
               <a:t>Design Brief</a:t>
             </a:r>
           </a:p>
@@ -5619,6 +5608,14 @@
             <a:r>
               <a:rPr lang="en-US" b="1" u="sng" dirty="0"/>
               <a:t>Potential Test</a:t>
+            </a:r>
+            <a:r>
+              <a:rPr lang="en-US" b="1" u="sng" dirty="0">
+                <a:solidFill>
+                  <a:srgbClr val="FF0000"/>
+                </a:solidFill>
+              </a:rPr>
+              <a:t>s</a:t>
             </a:r>
             <a:br>
               <a:rPr lang="en-US" dirty="0"/>
